--- a/presentation.pptx
+++ b/presentation.pptx
@@ -20,45 +20,47 @@
     <p:sldId id="265" r:id="rId15"/>
     <p:sldId id="266" r:id="rId16"/>
     <p:sldId id="267" r:id="rId17"/>
+    <p:sldId id="268" r:id="rId18"/>
+    <p:sldId id="269" r:id="rId19"/>
   </p:sldIdLst>
   <p:sldSz cy="5143500" cx="9144000"/>
   <p:notesSz cx="6858000" cy="9144000"/>
   <p:embeddedFontLst>
     <p:embeddedFont>
       <p:font typeface="Nunito SemiBold"/>
-      <p:regular r:id="rId18"/>
-      <p:bold r:id="rId19"/>
-      <p:italic r:id="rId20"/>
-      <p:boldItalic r:id="rId21"/>
+      <p:regular r:id="rId20"/>
+      <p:bold r:id="rId21"/>
+      <p:italic r:id="rId22"/>
+      <p:boldItalic r:id="rId23"/>
     </p:embeddedFont>
     <p:embeddedFont>
       <p:font typeface="Nunito"/>
-      <p:regular r:id="rId22"/>
-      <p:bold r:id="rId23"/>
-      <p:italic r:id="rId24"/>
-      <p:boldItalic r:id="rId25"/>
+      <p:regular r:id="rId24"/>
+      <p:bold r:id="rId25"/>
+      <p:italic r:id="rId26"/>
+      <p:boldItalic r:id="rId27"/>
     </p:embeddedFont>
     <p:embeddedFont>
       <p:font typeface="Nunito Medium"/>
-      <p:regular r:id="rId26"/>
-      <p:bold r:id="rId27"/>
-      <p:italic r:id="rId28"/>
-      <p:boldItalic r:id="rId29"/>
+      <p:regular r:id="rId28"/>
+      <p:bold r:id="rId29"/>
+      <p:italic r:id="rId30"/>
+      <p:boldItalic r:id="rId31"/>
     </p:embeddedFont>
     <p:embeddedFont>
       <p:font typeface="Nunito ExtraBold"/>
-      <p:bold r:id="rId30"/>
-      <p:boldItalic r:id="rId31"/>
+      <p:bold r:id="rId32"/>
+      <p:boldItalic r:id="rId33"/>
     </p:embeddedFont>
     <p:embeddedFont>
       <p:font typeface="Signika Negative"/>
-      <p:regular r:id="rId32"/>
-      <p:bold r:id="rId33"/>
+      <p:regular r:id="rId34"/>
+      <p:bold r:id="rId35"/>
     </p:embeddedFont>
     <p:embeddedFont>
       <p:font typeface="Lexend"/>
-      <p:regular r:id="rId34"/>
-      <p:bold r:id="rId35"/>
+      <p:regular r:id="rId36"/>
+      <p:bold r:id="rId37"/>
     </p:embeddedFont>
   </p:embeddedFontLst>
   <p:defaultTextStyle>
@@ -1027,7 +1029,7 @@
   <p:cSld>
     <p:spTree>
       <p:nvGrpSpPr>
-        <p:cNvPr id="160" name="Shape 160"/>
+        <p:cNvPr id="162" name="Shape 162"/>
         <p:cNvGrpSpPr/>
         <p:nvPr/>
       </p:nvGrpSpPr>
@@ -1041,7 +1043,7 @@
       </p:grpSpPr>
       <p:sp>
         <p:nvSpPr>
-          <p:cNvPr id="161" name="Google Shape;161;g2c36a6c408b_0_163:notes"/>
+          <p:cNvPr id="163" name="Google Shape;163;g2cde03ffbc1_0_10:notes"/>
           <p:cNvSpPr/>
           <p:nvPr>
             <p:ph idx="2" type="sldImg"/>
@@ -1086,7 +1088,7 @@
       </p:sp>
       <p:sp>
         <p:nvSpPr>
-          <p:cNvPr id="162" name="Google Shape;162;g2c36a6c408b_0_163:notes"/>
+          <p:cNvPr id="164" name="Google Shape;164;g2cde03ffbc1_0_10:notes"/>
           <p:cNvSpPr txBox="1"/>
           <p:nvPr>
             <p:ph idx="1" type="body"/>
@@ -1144,7 +1146,7 @@
   <p:cSld>
     <p:spTree>
       <p:nvGrpSpPr>
-        <p:cNvPr id="168" name="Shape 168"/>
+        <p:cNvPr id="170" name="Shape 170"/>
         <p:cNvGrpSpPr/>
         <p:nvPr/>
       </p:nvGrpSpPr>
@@ -1158,7 +1160,7 @@
       </p:grpSpPr>
       <p:sp>
         <p:nvSpPr>
-          <p:cNvPr id="169" name="Google Shape;169;g2c36a6c408b_0_130:notes"/>
+          <p:cNvPr id="171" name="Google Shape;171;g2c36a6c408b_0_163:notes"/>
           <p:cNvSpPr/>
           <p:nvPr>
             <p:ph idx="2" type="sldImg"/>
@@ -1203,7 +1205,7 @@
       </p:sp>
       <p:sp>
         <p:nvSpPr>
-          <p:cNvPr id="170" name="Google Shape;170;g2c36a6c408b_0_130:notes"/>
+          <p:cNvPr id="172" name="Google Shape;172;g2c36a6c408b_0_163:notes"/>
           <p:cNvSpPr txBox="1"/>
           <p:nvPr>
             <p:ph idx="1" type="body"/>
@@ -1261,7 +1263,7 @@
   <p:cSld>
     <p:spTree>
       <p:nvGrpSpPr>
-        <p:cNvPr id="175" name="Shape 175"/>
+        <p:cNvPr id="179" name="Shape 179"/>
         <p:cNvGrpSpPr/>
         <p:nvPr/>
       </p:nvGrpSpPr>
@@ -1275,7 +1277,7 @@
       </p:grpSpPr>
       <p:sp>
         <p:nvSpPr>
-          <p:cNvPr id="176" name="Google Shape;176;p13:notes"/>
+          <p:cNvPr id="180" name="Google Shape;180;g2c36a6c408b_0_130:notes"/>
           <p:cNvSpPr/>
           <p:nvPr>
             <p:ph idx="2" type="sldImg"/>
@@ -1320,7 +1322,241 @@
       </p:sp>
       <p:sp>
         <p:nvSpPr>
-          <p:cNvPr id="177" name="Google Shape;177;p13:notes"/>
+          <p:cNvPr id="181" name="Google Shape;181;g2c36a6c408b_0_130:notes"/>
+          <p:cNvSpPr txBox="1"/>
+          <p:nvPr>
+            <p:ph idx="1" type="body"/>
+          </p:nvPr>
+        </p:nvSpPr>
+        <p:spPr>
+          <a:xfrm>
+            <a:off x="685800" y="4343400"/>
+            <a:ext cx="5486400" cy="4114800"/>
+          </a:xfrm>
+          <a:prstGeom prst="rect">
+            <a:avLst/>
+          </a:prstGeom>
+          <a:noFill/>
+          <a:ln>
+            <a:noFill/>
+          </a:ln>
+        </p:spPr>
+        <p:txBody>
+          <a:bodyPr anchorCtr="0" anchor="t" bIns="91425" lIns="91425" spcFirstLastPara="1" rIns="91425" wrap="square" tIns="91425">
+            <a:noAutofit/>
+          </a:bodyPr>
+          <a:lstStyle/>
+          <a:p>
+            <a:pPr indent="0" lvl="0" marL="0" rtl="0" algn="l">
+              <a:lnSpc>
+                <a:spcPct val="100000"/>
+              </a:lnSpc>
+              <a:spcBef>
+                <a:spcPts val="0"/>
+              </a:spcBef>
+              <a:spcAft>
+                <a:spcPts val="0"/>
+              </a:spcAft>
+              <a:buSzPts val="1100"/>
+              <a:buNone/>
+            </a:pPr>
+            <a:r>
+              <a:t/>
+            </a:r>
+            <a:endParaRPr/>
+          </a:p>
+        </p:txBody>
+      </p:sp>
+    </p:spTree>
+  </p:cSld>
+  <p:clrMapOvr>
+    <a:masterClrMapping/>
+  </p:clrMapOvr>
+</p:notes>
+</file>
+
+<file path=ppt/notesSlides/notesSlide13.xml><?xml version="1.0" encoding="utf-8"?>
+<p:notes xmlns:a="http://schemas.openxmlformats.org/drawingml/2006/main" xmlns:r="http://schemas.openxmlformats.org/officeDocument/2006/relationships" xmlns:mc="http://schemas.openxmlformats.org/markup-compatibility/2006" xmlns:mv="urn:schemas-microsoft-com:mac:vml" xmlns:p="http://schemas.openxmlformats.org/presentationml/2006/main" xmlns:c="http://schemas.openxmlformats.org/drawingml/2006/chart" xmlns:dgm="http://schemas.openxmlformats.org/drawingml/2006/diagram" xmlns:o="urn:schemas-microsoft-com:office:office" xmlns:v="urn:schemas-microsoft-com:vml" xmlns:pvml="urn:schemas-microsoft-com:office:powerpoint" xmlns:com="http://schemas.openxmlformats.org/drawingml/2006/compatibility" xmlns:p14="http://schemas.microsoft.com/office/powerpoint/2010/main" xmlns:p15="http://schemas.microsoft.com/office/powerpoint/2012/main" xmlns:ahyp="http://schemas.microsoft.com/office/drawing/2018/hyperlinkcolor" showMasterPhAnim="0" showMasterSp="0">
+  <p:cSld>
+    <p:spTree>
+      <p:nvGrpSpPr>
+        <p:cNvPr id="188" name="Shape 188"/>
+        <p:cNvGrpSpPr/>
+        <p:nvPr/>
+      </p:nvGrpSpPr>
+      <p:grpSpPr>
+        <a:xfrm>
+          <a:off x="0" y="0"/>
+          <a:ext cx="0" cy="0"/>
+          <a:chOff x="0" y="0"/>
+          <a:chExt cx="0" cy="0"/>
+        </a:xfrm>
+      </p:grpSpPr>
+      <p:sp>
+        <p:nvSpPr>
+          <p:cNvPr id="189" name="Google Shape;189;g2cde03ffbc1_0_19:notes"/>
+          <p:cNvSpPr/>
+          <p:nvPr>
+            <p:ph idx="2" type="sldImg"/>
+          </p:nvPr>
+        </p:nvSpPr>
+        <p:spPr>
+          <a:xfrm>
+            <a:off x="381300" y="685800"/>
+            <a:ext cx="6096000" cy="3429000"/>
+          </a:xfrm>
+          <a:custGeom>
+            <a:rect b="b" l="l" r="r" t="t"/>
+            <a:pathLst>
+              <a:path extrusionOk="0" h="120000" w="120000">
+                <a:moveTo>
+                  <a:pt x="0" y="0"/>
+                </a:moveTo>
+                <a:lnTo>
+                  <a:pt x="120000" y="0"/>
+                </a:lnTo>
+                <a:lnTo>
+                  <a:pt x="120000" y="120000"/>
+                </a:lnTo>
+                <a:lnTo>
+                  <a:pt x="0" y="120000"/>
+                </a:lnTo>
+                <a:close/>
+              </a:path>
+            </a:pathLst>
+          </a:custGeom>
+          <a:noFill/>
+          <a:ln cap="flat" cmpd="sng" w="9525">
+            <a:solidFill>
+              <a:srgbClr val="000000"/>
+            </a:solidFill>
+            <a:prstDash val="solid"/>
+            <a:round/>
+            <a:headEnd len="sm" w="sm" type="none"/>
+            <a:tailEnd len="sm" w="sm" type="none"/>
+          </a:ln>
+        </p:spPr>
+      </p:sp>
+      <p:sp>
+        <p:nvSpPr>
+          <p:cNvPr id="190" name="Google Shape;190;g2cde03ffbc1_0_19:notes"/>
+          <p:cNvSpPr txBox="1"/>
+          <p:nvPr>
+            <p:ph idx="1" type="body"/>
+          </p:nvPr>
+        </p:nvSpPr>
+        <p:spPr>
+          <a:xfrm>
+            <a:off x="685800" y="4343400"/>
+            <a:ext cx="5486400" cy="4114800"/>
+          </a:xfrm>
+          <a:prstGeom prst="rect">
+            <a:avLst/>
+          </a:prstGeom>
+          <a:noFill/>
+          <a:ln>
+            <a:noFill/>
+          </a:ln>
+        </p:spPr>
+        <p:txBody>
+          <a:bodyPr anchorCtr="0" anchor="t" bIns="91425" lIns="91425" spcFirstLastPara="1" rIns="91425" wrap="square" tIns="91425">
+            <a:noAutofit/>
+          </a:bodyPr>
+          <a:lstStyle/>
+          <a:p>
+            <a:pPr indent="0" lvl="0" marL="0" rtl="0" algn="l">
+              <a:lnSpc>
+                <a:spcPct val="100000"/>
+              </a:lnSpc>
+              <a:spcBef>
+                <a:spcPts val="0"/>
+              </a:spcBef>
+              <a:spcAft>
+                <a:spcPts val="0"/>
+              </a:spcAft>
+              <a:buSzPts val="1100"/>
+              <a:buNone/>
+            </a:pPr>
+            <a:r>
+              <a:t/>
+            </a:r>
+            <a:endParaRPr/>
+          </a:p>
+        </p:txBody>
+      </p:sp>
+    </p:spTree>
+  </p:cSld>
+  <p:clrMapOvr>
+    <a:masterClrMapping/>
+  </p:clrMapOvr>
+</p:notes>
+</file>
+
+<file path=ppt/notesSlides/notesSlide14.xml><?xml version="1.0" encoding="utf-8"?>
+<p:notes xmlns:a="http://schemas.openxmlformats.org/drawingml/2006/main" xmlns:r="http://schemas.openxmlformats.org/officeDocument/2006/relationships" xmlns:mc="http://schemas.openxmlformats.org/markup-compatibility/2006" xmlns:mv="urn:schemas-microsoft-com:mac:vml" xmlns:p="http://schemas.openxmlformats.org/presentationml/2006/main" xmlns:c="http://schemas.openxmlformats.org/drawingml/2006/chart" xmlns:dgm="http://schemas.openxmlformats.org/drawingml/2006/diagram" xmlns:o="urn:schemas-microsoft-com:office:office" xmlns:v="urn:schemas-microsoft-com:vml" xmlns:pvml="urn:schemas-microsoft-com:office:powerpoint" xmlns:com="http://schemas.openxmlformats.org/drawingml/2006/compatibility" xmlns:p14="http://schemas.microsoft.com/office/powerpoint/2010/main" xmlns:p15="http://schemas.microsoft.com/office/powerpoint/2012/main" xmlns:ahyp="http://schemas.microsoft.com/office/drawing/2018/hyperlinkcolor" showMasterPhAnim="0" showMasterSp="0">
+  <p:cSld>
+    <p:spTree>
+      <p:nvGrpSpPr>
+        <p:cNvPr id="199" name="Shape 199"/>
+        <p:cNvGrpSpPr/>
+        <p:nvPr/>
+      </p:nvGrpSpPr>
+      <p:grpSpPr>
+        <a:xfrm>
+          <a:off x="0" y="0"/>
+          <a:ext cx="0" cy="0"/>
+          <a:chOff x="0" y="0"/>
+          <a:chExt cx="0" cy="0"/>
+        </a:xfrm>
+      </p:grpSpPr>
+      <p:sp>
+        <p:nvSpPr>
+          <p:cNvPr id="200" name="Google Shape;200;p13:notes"/>
+          <p:cNvSpPr/>
+          <p:nvPr>
+            <p:ph idx="2" type="sldImg"/>
+          </p:nvPr>
+        </p:nvSpPr>
+        <p:spPr>
+          <a:xfrm>
+            <a:off x="381300" y="685800"/>
+            <a:ext cx="6096000" cy="3429000"/>
+          </a:xfrm>
+          <a:custGeom>
+            <a:rect b="b" l="l" r="r" t="t"/>
+            <a:pathLst>
+              <a:path extrusionOk="0" h="120000" w="120000">
+                <a:moveTo>
+                  <a:pt x="0" y="0"/>
+                </a:moveTo>
+                <a:lnTo>
+                  <a:pt x="120000" y="0"/>
+                </a:lnTo>
+                <a:lnTo>
+                  <a:pt x="120000" y="120000"/>
+                </a:lnTo>
+                <a:lnTo>
+                  <a:pt x="0" y="120000"/>
+                </a:lnTo>
+                <a:close/>
+              </a:path>
+            </a:pathLst>
+          </a:custGeom>
+          <a:noFill/>
+          <a:ln cap="flat" cmpd="sng" w="9525">
+            <a:solidFill>
+              <a:srgbClr val="000000"/>
+            </a:solidFill>
+            <a:prstDash val="solid"/>
+            <a:round/>
+            <a:headEnd len="sm" w="sm" type="none"/>
+            <a:tailEnd len="sm" w="sm" type="none"/>
+          </a:ln>
+        </p:spPr>
+      </p:sp>
+      <p:sp>
+        <p:nvSpPr>
+          <p:cNvPr id="201" name="Google Shape;201;p13:notes"/>
           <p:cNvSpPr txBox="1"/>
           <p:nvPr>
             <p:ph idx="1" type="body"/>
@@ -2029,7 +2265,7 @@
   <p:cSld>
     <p:spTree>
       <p:nvGrpSpPr>
-        <p:cNvPr id="116" name="Shape 116"/>
+        <p:cNvPr id="117" name="Shape 117"/>
         <p:cNvGrpSpPr/>
         <p:nvPr/>
       </p:nvGrpSpPr>
@@ -2043,7 +2279,7 @@
       </p:grpSpPr>
       <p:sp>
         <p:nvSpPr>
-          <p:cNvPr id="117" name="Google Shape;117;g2c36a6c408b_0_109:notes"/>
+          <p:cNvPr id="118" name="Google Shape;118;g2c36a6c408b_0_109:notes"/>
           <p:cNvSpPr/>
           <p:nvPr>
             <p:ph idx="2" type="sldImg"/>
@@ -2088,7 +2324,7 @@
       </p:sp>
       <p:sp>
         <p:nvSpPr>
-          <p:cNvPr id="118" name="Google Shape;118;g2c36a6c408b_0_109:notes"/>
+          <p:cNvPr id="119" name="Google Shape;119;g2c36a6c408b_0_109:notes"/>
           <p:cNvSpPr txBox="1"/>
           <p:nvPr>
             <p:ph idx="1" type="body"/>
@@ -2146,7 +2382,7 @@
   <p:cSld>
     <p:spTree>
       <p:nvGrpSpPr>
-        <p:cNvPr id="126" name="Shape 126"/>
+        <p:cNvPr id="127" name="Shape 127"/>
         <p:cNvGrpSpPr/>
         <p:nvPr/>
       </p:nvGrpSpPr>
@@ -2160,7 +2396,7 @@
       </p:grpSpPr>
       <p:sp>
         <p:nvSpPr>
-          <p:cNvPr id="127" name="Google Shape;127;g2c36a6c408b_0_136:notes"/>
+          <p:cNvPr id="128" name="Google Shape;128;g2c36a6c408b_0_136:notes"/>
           <p:cNvSpPr/>
           <p:nvPr>
             <p:ph idx="2" type="sldImg"/>
@@ -2205,7 +2441,7 @@
       </p:sp>
       <p:sp>
         <p:nvSpPr>
-          <p:cNvPr id="128" name="Google Shape;128;g2c36a6c408b_0_136:notes"/>
+          <p:cNvPr id="129" name="Google Shape;129;g2c36a6c408b_0_136:notes"/>
           <p:cNvSpPr txBox="1"/>
           <p:nvPr>
             <p:ph idx="1" type="body"/>
@@ -2244,28 +2480,7 @@
               <a:buNone/>
             </a:pPr>
             <a:r>
-              <a:rPr lang="en"/>
-              <a:t>Кратко по самым важным понятиям.</a:t>
-            </a:r>
-            <a:endParaRPr/>
-          </a:p>
-          <a:p>
-            <a:pPr indent="0" lvl="0" marL="0" rtl="0" algn="l">
-              <a:lnSpc>
-                <a:spcPct val="100000"/>
-              </a:lnSpc>
-              <a:spcBef>
-                <a:spcPts val="0"/>
-              </a:spcBef>
-              <a:spcAft>
-                <a:spcPts val="0"/>
-              </a:spcAft>
-              <a:buSzPts val="1100"/>
-              <a:buNone/>
-            </a:pPr>
-            <a:r>
-              <a:rPr lang="en"/>
-              <a:t>Из этого самое важное отметить “Номинатив”, например класс, струкутуру, интерфейс</a:t>
+              <a:t/>
             </a:r>
             <a:endParaRPr/>
           </a:p>
@@ -2284,7 +2499,7 @@
   <p:cSld>
     <p:spTree>
       <p:nvGrpSpPr>
-        <p:cNvPr id="143" name="Shape 143"/>
+        <p:cNvPr id="144" name="Shape 144"/>
         <p:cNvGrpSpPr/>
         <p:nvPr/>
       </p:nvGrpSpPr>
@@ -2298,7 +2513,7 @@
       </p:grpSpPr>
       <p:sp>
         <p:nvSpPr>
-          <p:cNvPr id="144" name="Google Shape;144;g2c36a6c408b_0_142:notes"/>
+          <p:cNvPr id="145" name="Google Shape;145;g2c36a6c408b_0_142:notes"/>
           <p:cNvSpPr/>
           <p:nvPr>
             <p:ph idx="2" type="sldImg"/>
@@ -2343,7 +2558,7 @@
       </p:sp>
       <p:sp>
         <p:nvSpPr>
-          <p:cNvPr id="145" name="Google Shape;145;g2c36a6c408b_0_142:notes"/>
+          <p:cNvPr id="146" name="Google Shape;146;g2c36a6c408b_0_142:notes"/>
           <p:cNvSpPr txBox="1"/>
           <p:nvPr>
             <p:ph idx="1" type="body"/>
@@ -2382,8 +2597,7 @@
               <a:buNone/>
             </a:pPr>
             <a:r>
-              <a:rPr lang="en"/>
-              <a:t>Подстановка - то что нужно установить для языка. Она задаётся наследованием, реализацией интерфейсов, вариантностью.</a:t>
+              <a:t/>
             </a:r>
             <a:endParaRPr/>
           </a:p>
@@ -2402,7 +2616,7 @@
   <p:cSld>
     <p:spTree>
       <p:nvGrpSpPr>
-        <p:cNvPr id="151" name="Shape 151"/>
+        <p:cNvPr id="153" name="Shape 153"/>
         <p:cNvGrpSpPr/>
         <p:nvPr/>
       </p:nvGrpSpPr>
@@ -2416,7 +2630,7 @@
       </p:grpSpPr>
       <p:sp>
         <p:nvSpPr>
-          <p:cNvPr id="152" name="Google Shape;152;g2c36a6c408b_0_121:notes"/>
+          <p:cNvPr id="154" name="Google Shape;154;g2cde03ffbc1_0_0:notes"/>
           <p:cNvSpPr/>
           <p:nvPr>
             <p:ph idx="2" type="sldImg"/>
@@ -2461,7 +2675,7 @@
       </p:sp>
       <p:sp>
         <p:nvSpPr>
-          <p:cNvPr id="153" name="Google Shape;153;g2c36a6c408b_0_121:notes"/>
+          <p:cNvPr id="155" name="Google Shape;155;g2cde03ffbc1_0_0:notes"/>
           <p:cNvSpPr txBox="1"/>
           <p:nvPr>
             <p:ph idx="1" type="body"/>
@@ -2500,8 +2714,7 @@
               <a:buNone/>
             </a:pPr>
             <a:r>
-              <a:rPr lang="en"/>
-              <a:t>Идея простая - сведём всё это дело к префиксному дереву с переходами по типам</a:t>
+              <a:t/>
             </a:r>
             <a:endParaRPr/>
           </a:p>
@@ -10551,7 +10764,7 @@
   <p:cSld>
     <p:spTree>
       <p:nvGrpSpPr>
-        <p:cNvPr id="163" name="Shape 163"/>
+        <p:cNvPr id="165" name="Shape 165"/>
         <p:cNvGrpSpPr/>
         <p:nvPr/>
       </p:nvGrpSpPr>
@@ -10565,7 +10778,7 @@
       </p:grpSpPr>
       <p:sp>
         <p:nvSpPr>
-          <p:cNvPr id="164" name="Google Shape;164;p22"/>
+          <p:cNvPr id="166" name="Google Shape;166;p22"/>
           <p:cNvSpPr txBox="1"/>
           <p:nvPr>
             <p:ph type="title"/>
@@ -10610,7 +10823,7 @@
                 <a:cs typeface="Nunito"/>
                 <a:sym typeface="Nunito"/>
               </a:rPr>
-              <a:t>Комбинация деклараций в выражение</a:t>
+              <a:t>Поиск</a:t>
             </a:r>
             <a:endParaRPr>
               <a:latin typeface="Nunito"/>
@@ -10623,7 +10836,7 @@
       </p:sp>
       <p:sp>
         <p:nvSpPr>
-          <p:cNvPr id="165" name="Google Shape;165;p22"/>
+          <p:cNvPr id="167" name="Google Shape;167;p22"/>
           <p:cNvSpPr txBox="1"/>
           <p:nvPr>
             <p:ph idx="12" type="sldNum"/>
@@ -10671,7 +10884,7 @@
       </p:sp>
       <p:sp>
         <p:nvSpPr>
-          <p:cNvPr id="166" name="Google Shape;166;p22"/>
+          <p:cNvPr id="168" name="Google Shape;168;p22"/>
           <p:cNvSpPr txBox="1"/>
           <p:nvPr>
             <p:ph idx="1" type="body"/>
@@ -10679,8 +10892,8 @@
         </p:nvSpPr>
         <p:spPr>
           <a:xfrm>
-            <a:off x="543375" y="1450100"/>
-            <a:ext cx="7645200" cy="1297200"/>
+            <a:off x="255350" y="1129075"/>
+            <a:ext cx="5064000" cy="3534000"/>
           </a:xfrm>
           <a:prstGeom prst="rect">
             <a:avLst/>
@@ -10692,7 +10905,7 @@
         </p:spPr>
         <p:txBody>
           <a:bodyPr anchorCtr="0" anchor="t" bIns="91425" lIns="91425" spcFirstLastPara="1" rIns="91425" wrap="square" tIns="91425">
-            <a:normAutofit fontScale="85000" lnSpcReduction="20000"/>
+            <a:normAutofit fontScale="92500" lnSpcReduction="10000"/>
           </a:bodyPr>
           <a:lstStyle/>
           <a:p>
@@ -10715,25 +10928,7 @@
                 <a:cs typeface="Nunito"/>
                 <a:sym typeface="Nunito"/>
               </a:rPr>
-              <a:t>Разделяй и </a:t>
-            </a:r>
-            <a:r>
-              <a:rPr lang="en">
-                <a:latin typeface="Nunito"/>
-                <a:ea typeface="Nunito"/>
-                <a:cs typeface="Nunito"/>
-                <a:sym typeface="Nunito"/>
-              </a:rPr>
-              <a:t>властвуй</a:t>
-            </a:r>
-            <a:r>
-              <a:rPr lang="en">
-                <a:latin typeface="Nunito"/>
-                <a:ea typeface="Nunito"/>
-                <a:cs typeface="Nunito"/>
-                <a:sym typeface="Nunito"/>
-              </a:rPr>
-              <a:t>…</a:t>
+              <a:t>Поиск по такому графу учитывает подтипизацию, ограничения любого вида, вариантность (как функция так и дженериков), альфа-эквивалентность дженериков. </a:t>
             </a:r>
             <a:endParaRPr>
               <a:latin typeface="Nunito"/>
@@ -10779,13 +10974,36 @@
               <a:buNone/>
             </a:pPr>
             <a:r>
+              <a:t/>
+            </a:r>
+            <a:endParaRPr>
+              <a:latin typeface="Nunito"/>
+              <a:ea typeface="Nunito"/>
+              <a:cs typeface="Nunito"/>
+              <a:sym typeface="Nunito"/>
+            </a:endParaRPr>
+          </a:p>
+          <a:p>
+            <a:pPr indent="0" lvl="0" marL="0" rtl="0" algn="l">
+              <a:lnSpc>
+                <a:spcPct val="115000"/>
+              </a:lnSpc>
+              <a:spcBef>
+                <a:spcPts val="0"/>
+              </a:spcBef>
+              <a:spcAft>
+                <a:spcPts val="0"/>
+              </a:spcAft>
+              <a:buNone/>
+            </a:pPr>
+            <a:r>
               <a:rPr lang="en">
                 <a:latin typeface="Nunito"/>
                 <a:ea typeface="Nunito"/>
                 <a:cs typeface="Nunito"/>
                 <a:sym typeface="Nunito"/>
               </a:rPr>
-              <a:t>Поиск достижимых по дереву в ширину и дальнейший запуск из достижимых до тех пор, пока не будет найден удовлетворительный путь или не сделано слишком много шагов)))</a:t>
+              <a:t>Путь до вершины соотносится с типом так же, как строка соотносится с путем в префиксном дереве. Соответственно, точный поиск состоит из поиска нужной TypeNode в графе подставляемости внутри Node, дальнейшему переходу и т.д.</a:t>
             </a:r>
             <a:endParaRPr>
               <a:latin typeface="Nunito"/>
@@ -10796,18 +11014,24 @@
           </a:p>
         </p:txBody>
       </p:sp>
-      <p:sp>
-        <p:nvSpPr>
-          <p:cNvPr id="167" name="Google Shape;167;p22"/>
-          <p:cNvSpPr txBox="1"/>
-          <p:nvPr>
-            <p:ph idx="1" type="body"/>
-          </p:nvPr>
-        </p:nvSpPr>
+      <p:pic>
+        <p:nvPicPr>
+          <p:cNvPr id="169" name="Google Shape;169;p22"/>
+          <p:cNvPicPr preferRelativeResize="0"/>
+          <p:nvPr/>
+        </p:nvPicPr>
+        <p:blipFill>
+          <a:blip r:embed="rId3">
+            <a:alphaModFix/>
+          </a:blip>
+          <a:stretch>
+            <a:fillRect/>
+          </a:stretch>
+        </p:blipFill>
         <p:spPr>
           <a:xfrm>
-            <a:off x="543375" y="3179675"/>
-            <a:ext cx="7645200" cy="1297200"/>
+            <a:off x="5319250" y="1129075"/>
+            <a:ext cx="3701900" cy="3803253"/>
           </a:xfrm>
           <a:prstGeom prst="rect">
             <a:avLst/>
@@ -10817,42 +11041,7 @@
             <a:noFill/>
           </a:ln>
         </p:spPr>
-        <p:txBody>
-          <a:bodyPr anchorCtr="0" anchor="t" bIns="91425" lIns="91425" spcFirstLastPara="1" rIns="91425" wrap="square" tIns="91425">
-            <a:normAutofit/>
-          </a:bodyPr>
-          <a:lstStyle/>
-          <a:p>
-            <a:pPr indent="0" lvl="0" marL="0" rtl="0" algn="l">
-              <a:lnSpc>
-                <a:spcPct val="115000"/>
-              </a:lnSpc>
-              <a:spcBef>
-                <a:spcPts val="0"/>
-              </a:spcBef>
-              <a:spcAft>
-                <a:spcPts val="0"/>
-              </a:spcAft>
-              <a:buNone/>
-            </a:pPr>
-            <a:r>
-              <a:rPr lang="en">
-                <a:latin typeface="Nunito"/>
-                <a:ea typeface="Nunito"/>
-                <a:cs typeface="Nunito"/>
-                <a:sym typeface="Nunito"/>
-              </a:rPr>
-              <a:t>Кажется, будто это практически перебор, но на деле это проверка всех возможных кандидатов. Можно ли быстрее? Возможно, если делать двухсторонний поиск. (надо подумать)</a:t>
-            </a:r>
-            <a:endParaRPr>
-              <a:latin typeface="Nunito"/>
-              <a:ea typeface="Nunito"/>
-              <a:cs typeface="Nunito"/>
-              <a:sym typeface="Nunito"/>
-            </a:endParaRPr>
-          </a:p>
-        </p:txBody>
-      </p:sp>
+      </p:pic>
     </p:spTree>
   </p:cSld>
   <p:clrMapOvr>
@@ -10866,7 +11055,7 @@
   <p:cSld>
     <p:spTree>
       <p:nvGrpSpPr>
-        <p:cNvPr id="171" name="Shape 171"/>
+        <p:cNvPr id="173" name="Shape 173"/>
         <p:cNvGrpSpPr/>
         <p:nvPr/>
       </p:nvGrpSpPr>
@@ -10880,7 +11069,7 @@
       </p:grpSpPr>
       <p:sp>
         <p:nvSpPr>
-          <p:cNvPr id="172" name="Google Shape;172;p23"/>
+          <p:cNvPr id="174" name="Google Shape;174;p23"/>
           <p:cNvSpPr txBox="1"/>
           <p:nvPr>
             <p:ph type="title"/>
@@ -10925,7 +11114,7 @@
                 <a:cs typeface="Nunito"/>
                 <a:sym typeface="Nunito"/>
               </a:rPr>
-              <a:t>Что необходимо сделать</a:t>
+              <a:t>Построение поискового индекса</a:t>
             </a:r>
             <a:endParaRPr>
               <a:latin typeface="Nunito"/>
@@ -10938,7 +11127,7 @@
       </p:sp>
       <p:sp>
         <p:nvSpPr>
-          <p:cNvPr id="173" name="Google Shape;173;p23"/>
+          <p:cNvPr id="175" name="Google Shape;175;p23"/>
           <p:cNvSpPr txBox="1"/>
           <p:nvPr>
             <p:ph idx="12" type="sldNum"/>
@@ -10986,7 +11175,7 @@
       </p:sp>
       <p:sp>
         <p:nvSpPr>
-          <p:cNvPr id="174" name="Google Shape;174;p23"/>
+          <p:cNvPr id="176" name="Google Shape;176;p23"/>
           <p:cNvSpPr txBox="1"/>
           <p:nvPr>
             <p:ph idx="1" type="body"/>
@@ -10994,8 +11183,8 @@
         </p:nvSpPr>
         <p:spPr>
           <a:xfrm>
-            <a:off x="516900" y="1456725"/>
-            <a:ext cx="7613100" cy="3128700"/>
+            <a:off x="543375" y="1450100"/>
+            <a:ext cx="7361100" cy="1133400"/>
           </a:xfrm>
           <a:prstGeom prst="rect">
             <a:avLst/>
@@ -11007,11 +11196,11 @@
         </p:spPr>
         <p:txBody>
           <a:bodyPr anchorCtr="0" anchor="t" bIns="91425" lIns="91425" spcFirstLastPara="1" rIns="91425" wrap="square" tIns="91425">
-            <a:normAutofit/>
+            <a:normAutofit fontScale="70000" lnSpcReduction="20000"/>
           </a:bodyPr>
           <a:lstStyle/>
           <a:p>
-            <a:pPr indent="-342900" lvl="0" marL="457200" rtl="0" algn="l">
+            <a:pPr indent="0" lvl="0" marL="0" rtl="0" algn="l">
               <a:lnSpc>
                 <a:spcPct val="115000"/>
               </a:lnSpc>
@@ -11021,7 +11210,36 @@
               <a:spcAft>
                 <a:spcPts val="0"/>
               </a:spcAft>
-              <a:buSzPts val="1800"/>
+              <a:buNone/>
+            </a:pPr>
+            <a:r>
+              <a:rPr lang="en">
+                <a:latin typeface="Nunito"/>
+                <a:ea typeface="Nunito"/>
+                <a:cs typeface="Nunito"/>
+                <a:sym typeface="Nunito"/>
+              </a:rPr>
+              <a:t>Для построения необходимы 3 вещи:</a:t>
+            </a:r>
+            <a:endParaRPr>
+              <a:latin typeface="Nunito"/>
+              <a:ea typeface="Nunito"/>
+              <a:cs typeface="Nunito"/>
+              <a:sym typeface="Nunito"/>
+            </a:endParaRPr>
+          </a:p>
+          <a:p>
+            <a:pPr indent="-308610" lvl="0" marL="457200" rtl="0" algn="l">
+              <a:lnSpc>
+                <a:spcPct val="115000"/>
+              </a:lnSpc>
+              <a:spcBef>
+                <a:spcPts val="0"/>
+              </a:spcBef>
+              <a:spcAft>
+                <a:spcPts val="0"/>
+              </a:spcAft>
+              <a:buSzPct val="100000"/>
               <a:buFont typeface="Nunito"/>
               <a:buChar char="-"/>
             </a:pPr>
@@ -11032,7 +11250,7 @@
                 <a:cs typeface="Nunito"/>
                 <a:sym typeface="Nunito"/>
               </a:rPr>
-              <a:t>Поисковой движок</a:t>
+              <a:t>Декларации с типами, сформированные согласно грамматике запросов</a:t>
             </a:r>
             <a:endParaRPr>
               <a:latin typeface="Nunito"/>
@@ -11042,7 +11260,7 @@
             </a:endParaRPr>
           </a:p>
           <a:p>
-            <a:pPr indent="-342900" lvl="0" marL="457200" rtl="0" algn="l">
+            <a:pPr indent="-308610" lvl="0" marL="457200" rtl="0" algn="l">
               <a:lnSpc>
                 <a:spcPct val="115000"/>
               </a:lnSpc>
@@ -11052,7 +11270,7 @@
               <a:spcAft>
                 <a:spcPts val="0"/>
               </a:spcAft>
-              <a:buSzPts val="1800"/>
+              <a:buSzPct val="100000"/>
               <a:buFont typeface="Nunito"/>
               <a:buChar char="-"/>
             </a:pPr>
@@ -11063,7 +11281,7 @@
                 <a:cs typeface="Nunito"/>
                 <a:sym typeface="Nunito"/>
               </a:rPr>
-              <a:t>Интерфейс для конкретного языка</a:t>
+              <a:t>Функция от 2-х аргументов, проверяющая возможность подстановки одного номинативного типа на место другого</a:t>
             </a:r>
             <a:endParaRPr>
               <a:latin typeface="Nunito"/>
@@ -11073,7 +11291,7 @@
             </a:endParaRPr>
           </a:p>
           <a:p>
-            <a:pPr indent="-342900" lvl="0" marL="457200" rtl="0" algn="l">
+            <a:pPr indent="-308610" lvl="0" marL="457200" rtl="0" algn="l">
               <a:lnSpc>
                 <a:spcPct val="115000"/>
               </a:lnSpc>
@@ -11083,7 +11301,7 @@
               <a:spcAft>
                 <a:spcPts val="0"/>
               </a:spcAft>
-              <a:buSzPts val="1800"/>
+              <a:buSzPct val="100000"/>
               <a:buFont typeface="Nunito"/>
               <a:buChar char="-"/>
             </a:pPr>
@@ -11094,7 +11312,64 @@
                 <a:cs typeface="Nunito"/>
                 <a:sym typeface="Nunito"/>
               </a:rPr>
-              <a:t>Разработать вопрос поддержки модульности</a:t>
+              <a:t>Конфигурация вариантности и других мелких особенностей языка</a:t>
+            </a:r>
+            <a:endParaRPr>
+              <a:latin typeface="Nunito"/>
+              <a:ea typeface="Nunito"/>
+              <a:cs typeface="Nunito"/>
+              <a:sym typeface="Nunito"/>
+            </a:endParaRPr>
+          </a:p>
+        </p:txBody>
+      </p:sp>
+      <p:sp>
+        <p:nvSpPr>
+          <p:cNvPr id="177" name="Google Shape;177;p23"/>
+          <p:cNvSpPr txBox="1"/>
+          <p:nvPr>
+            <p:ph idx="1" type="body"/>
+          </p:nvPr>
+        </p:nvSpPr>
+        <p:spPr>
+          <a:xfrm>
+            <a:off x="543375" y="3365300"/>
+            <a:ext cx="7645200" cy="1297200"/>
+          </a:xfrm>
+          <a:prstGeom prst="rect">
+            <a:avLst/>
+          </a:prstGeom>
+          <a:noFill/>
+          <a:ln>
+            <a:noFill/>
+          </a:ln>
+        </p:spPr>
+        <p:txBody>
+          <a:bodyPr anchorCtr="0" anchor="t" bIns="91425" lIns="91425" spcFirstLastPara="1" rIns="91425" wrap="square" tIns="91425">
+            <a:normAutofit fontScale="70000"/>
+          </a:bodyPr>
+          <a:lstStyle/>
+          <a:p>
+            <a:pPr indent="0" lvl="0" marL="0" rtl="0" algn="l">
+              <a:lnSpc>
+                <a:spcPct val="115000"/>
+              </a:lnSpc>
+              <a:spcBef>
+                <a:spcPts val="0"/>
+              </a:spcBef>
+              <a:spcAft>
+                <a:spcPts val="0"/>
+              </a:spcAft>
+              <a:buNone/>
+            </a:pPr>
+            <a:r>
+              <a:rPr lang="en">
+                <a:latin typeface="Nunito"/>
+                <a:ea typeface="Nunito"/>
+                <a:cs typeface="Nunito"/>
+                <a:sym typeface="Nunito"/>
+              </a:rPr>
+              <a:t>В ходе построения используется ряд приемов:</a:t>
             </a:r>
             <a:endParaRPr>
               <a:latin typeface="Nunito"/>
@@ -11104,7 +11379,7 @@
             </a:endParaRPr>
           </a:p>
           <a:p>
-            <a:pPr indent="-342900" lvl="0" marL="457200" rtl="0" algn="l">
+            <a:pPr indent="-308610" lvl="0" marL="457200" rtl="0" algn="l">
               <a:lnSpc>
                 <a:spcPct val="115000"/>
               </a:lnSpc>
@@ -11114,7 +11389,7 @@
               <a:spcAft>
                 <a:spcPts val="0"/>
               </a:spcAft>
-              <a:buSzPts val="1800"/>
+              <a:buSzPct val="100000"/>
               <a:buFont typeface="Nunito"/>
               <a:buChar char="-"/>
             </a:pPr>
@@ -11125,7 +11400,7 @@
                 <a:cs typeface="Nunito"/>
                 <a:sym typeface="Nunito"/>
               </a:rPr>
-              <a:t>Поддержка индексов в режиме онлайн?</a:t>
+              <a:t>Дженерики раскрываются в функции. Например Array&lt;T&gt; преобразуется в T -&gt; Array*</a:t>
             </a:r>
             <a:endParaRPr>
               <a:latin typeface="Nunito"/>
@@ -11135,7 +11410,7 @@
             </a:endParaRPr>
           </a:p>
           <a:p>
-            <a:pPr indent="-342900" lvl="0" marL="457200" rtl="0" algn="l">
+            <a:pPr indent="-308610" lvl="0" marL="457200" rtl="0" algn="l">
               <a:lnSpc>
                 <a:spcPct val="115000"/>
               </a:lnSpc>
@@ -11145,7 +11420,7 @@
               <a:spcAft>
                 <a:spcPts val="0"/>
               </a:spcAft>
-              <a:buSzPts val="1800"/>
+              <a:buSzPct val="100000"/>
               <a:buFont typeface="Nunito"/>
               <a:buChar char="-"/>
             </a:pPr>
@@ -11156,23 +11431,521 @@
                 <a:cs typeface="Nunito"/>
                 <a:sym typeface="Nunito"/>
               </a:rPr>
-              <a:t>Как устроить веса чтобы ранжировать результаты выдачи?</a:t>
+              <a:t>Представленные списком аргументы функции из ООП мира каррируются, чтобы достичь унификации</a:t>
             </a:r>
+            <a:endParaRPr>
+              <a:latin typeface="Nunito"/>
+              <a:ea typeface="Nunito"/>
+              <a:cs typeface="Nunito"/>
+              <a:sym typeface="Nunito"/>
+            </a:endParaRPr>
+          </a:p>
+          <a:p>
+            <a:pPr indent="-308610" lvl="0" marL="457200" rtl="0" algn="l">
+              <a:lnSpc>
+                <a:spcPct val="115000"/>
+              </a:lnSpc>
+              <a:spcBef>
+                <a:spcPts val="0"/>
+              </a:spcBef>
+              <a:spcAft>
+                <a:spcPts val="0"/>
+              </a:spcAft>
+              <a:buSzPct val="100000"/>
+              <a:buFont typeface="Nunito"/>
+              <a:buChar char="-"/>
+            </a:pPr>
             <a:r>
               <a:rPr lang="en">
-                <a:solidFill>
-                  <a:srgbClr val="666666"/>
-                </a:solidFill>
                 <a:latin typeface="Nunito"/>
                 <a:ea typeface="Nunito"/>
                 <a:cs typeface="Nunito"/>
                 <a:sym typeface="Nunito"/>
               </a:rPr>
-              <a:t>(например если подставляется не точный тип, то -1 бал) </a:t>
+              <a:t>Для дженериков запоминается обратная ссылка как при индексации De Bruijn</a:t>
+            </a:r>
+            <a:endParaRPr>
+              <a:latin typeface="Nunito"/>
+              <a:ea typeface="Nunito"/>
+              <a:cs typeface="Nunito"/>
+              <a:sym typeface="Nunito"/>
+            </a:endParaRPr>
+          </a:p>
+        </p:txBody>
+      </p:sp>
+      <p:pic>
+        <p:nvPicPr>
+          <p:cNvPr id="178" name="Google Shape;178;p23"/>
+          <p:cNvPicPr preferRelativeResize="0"/>
+          <p:nvPr/>
+        </p:nvPicPr>
+        <p:blipFill>
+          <a:blip r:embed="rId3">
+            <a:alphaModFix/>
+          </a:blip>
+          <a:stretch>
+            <a:fillRect/>
+          </a:stretch>
+        </p:blipFill>
+        <p:spPr>
+          <a:xfrm>
+            <a:off x="4376251" y="2222316"/>
+            <a:ext cx="4562150" cy="1390026"/>
+          </a:xfrm>
+          <a:prstGeom prst="rect">
+            <a:avLst/>
+          </a:prstGeom>
+          <a:noFill/>
+          <a:ln>
+            <a:noFill/>
+          </a:ln>
+        </p:spPr>
+      </p:pic>
+    </p:spTree>
+  </p:cSld>
+  <p:clrMapOvr>
+    <a:masterClrMapping/>
+  </p:clrMapOvr>
+</p:sld>
+</file>
+
+<file path=ppt/slides/slide12.xml><?xml version="1.0" encoding="utf-8"?>
+<p:sld xmlns:a="http://schemas.openxmlformats.org/drawingml/2006/main" xmlns:r="http://schemas.openxmlformats.org/officeDocument/2006/relationships" xmlns:mc="http://schemas.openxmlformats.org/markup-compatibility/2006" xmlns:mv="urn:schemas-microsoft-com:mac:vml" xmlns:p="http://schemas.openxmlformats.org/presentationml/2006/main" xmlns:c="http://schemas.openxmlformats.org/drawingml/2006/chart" xmlns:dgm="http://schemas.openxmlformats.org/drawingml/2006/diagram" xmlns:o="urn:schemas-microsoft-com:office:office" xmlns:v="urn:schemas-microsoft-com:vml" xmlns:pvml="urn:schemas-microsoft-com:office:powerpoint" xmlns:com="http://schemas.openxmlformats.org/drawingml/2006/compatibility" xmlns:p14="http://schemas.microsoft.com/office/powerpoint/2010/main" xmlns:p15="http://schemas.microsoft.com/office/powerpoint/2012/main" xmlns:ahyp="http://schemas.microsoft.com/office/drawing/2018/hyperlinkcolor">
+  <p:cSld>
+    <p:spTree>
+      <p:nvGrpSpPr>
+        <p:cNvPr id="182" name="Shape 182"/>
+        <p:cNvGrpSpPr/>
+        <p:nvPr/>
+      </p:nvGrpSpPr>
+      <p:grpSpPr>
+        <a:xfrm>
+          <a:off x="0" y="0"/>
+          <a:ext cx="0" cy="0"/>
+          <a:chOff x="0" y="0"/>
+          <a:chExt cx="0" cy="0"/>
+        </a:xfrm>
+      </p:grpSpPr>
+      <p:sp>
+        <p:nvSpPr>
+          <p:cNvPr id="183" name="Google Shape;183;p24"/>
+          <p:cNvSpPr txBox="1"/>
+          <p:nvPr>
+            <p:ph type="title"/>
+          </p:nvPr>
+        </p:nvSpPr>
+        <p:spPr>
+          <a:xfrm>
+            <a:off x="311700" y="445025"/>
+            <a:ext cx="8520600" cy="572700"/>
+          </a:xfrm>
+          <a:prstGeom prst="rect">
+            <a:avLst/>
+          </a:prstGeom>
+          <a:noFill/>
+          <a:ln>
+            <a:noFill/>
+          </a:ln>
+        </p:spPr>
+        <p:txBody>
+          <a:bodyPr anchorCtr="0" anchor="t" bIns="91425" lIns="91425" spcFirstLastPara="1" rIns="91425" wrap="square" tIns="91425">
+            <a:normAutofit fontScale="90000"/>
+          </a:bodyPr>
+          <a:lstStyle/>
+          <a:p>
+            <a:pPr indent="0" lvl="0" marL="0" rtl="0" algn="l">
+              <a:lnSpc>
+                <a:spcPct val="100000"/>
+              </a:lnSpc>
+              <a:spcBef>
+                <a:spcPts val="0"/>
+              </a:spcBef>
+              <a:spcAft>
+                <a:spcPts val="0"/>
+              </a:spcAft>
+              <a:buSzPct val="111111"/>
+              <a:buNone/>
+            </a:pPr>
+            <a:r>
+              <a:rPr lang="en">
+                <a:latin typeface="Nunito"/>
+                <a:ea typeface="Nunito"/>
+                <a:cs typeface="Nunito"/>
+                <a:sym typeface="Nunito"/>
+              </a:rPr>
+              <a:t>Что </a:t>
+            </a:r>
+            <a:r>
+              <a:rPr lang="en">
+                <a:latin typeface="Nunito"/>
+                <a:ea typeface="Nunito"/>
+                <a:cs typeface="Nunito"/>
+                <a:sym typeface="Nunito"/>
+              </a:rPr>
+              <a:t>еще</a:t>
+            </a:r>
+            <a:r>
+              <a:rPr lang="en">
+                <a:latin typeface="Nunito"/>
+                <a:ea typeface="Nunito"/>
+                <a:cs typeface="Nunito"/>
+                <a:sym typeface="Nunito"/>
+              </a:rPr>
+              <a:t> необходимо сделать</a:t>
+            </a:r>
+            <a:endParaRPr>
+              <a:latin typeface="Nunito"/>
+              <a:ea typeface="Nunito"/>
+              <a:cs typeface="Nunito"/>
+              <a:sym typeface="Nunito"/>
+            </a:endParaRPr>
+          </a:p>
+        </p:txBody>
+      </p:sp>
+      <p:sp>
+        <p:nvSpPr>
+          <p:cNvPr id="184" name="Google Shape;184;p24"/>
+          <p:cNvSpPr txBox="1"/>
+          <p:nvPr>
+            <p:ph idx="12" type="sldNum"/>
+          </p:nvPr>
+        </p:nvSpPr>
+        <p:spPr>
+          <a:xfrm>
+            <a:off x="8472458" y="4663217"/>
+            <a:ext cx="548700" cy="393600"/>
+          </a:xfrm>
+          <a:prstGeom prst="rect">
+            <a:avLst/>
+          </a:prstGeom>
+          <a:noFill/>
+          <a:ln>
+            <a:noFill/>
+          </a:ln>
+        </p:spPr>
+        <p:txBody>
+          <a:bodyPr anchorCtr="0" anchor="ctr" bIns="91425" lIns="91425" spcFirstLastPara="1" rIns="91425" wrap="square" tIns="91425">
+            <a:noAutofit/>
+          </a:bodyPr>
+          <a:lstStyle/>
+          <a:p>
+            <a:pPr indent="0" lvl="0" marL="0" rtl="0" algn="r">
+              <a:lnSpc>
+                <a:spcPct val="100000"/>
+              </a:lnSpc>
+              <a:spcBef>
+                <a:spcPts val="0"/>
+              </a:spcBef>
+              <a:spcAft>
+                <a:spcPts val="0"/>
+              </a:spcAft>
+              <a:buSzPts val="1600"/>
+              <a:buNone/>
+            </a:pPr>
+            <a:fld id="{00000000-1234-1234-1234-123412341234}" type="slidenum">
+              <a:rPr lang="en"/>
+              <a:t>‹#›</a:t>
+            </a:fld>
+            <a:endParaRPr sz="2200"/>
+          </a:p>
+        </p:txBody>
+      </p:sp>
+      <p:sp>
+        <p:nvSpPr>
+          <p:cNvPr id="185" name="Google Shape;185;p24"/>
+          <p:cNvSpPr txBox="1"/>
+          <p:nvPr>
+            <p:ph idx="1" type="body"/>
+          </p:nvPr>
+        </p:nvSpPr>
+        <p:spPr>
+          <a:xfrm>
+            <a:off x="516900" y="1456725"/>
+            <a:ext cx="7941300" cy="2001900"/>
+          </a:xfrm>
+          <a:prstGeom prst="rect">
+            <a:avLst/>
+          </a:prstGeom>
+          <a:noFill/>
+          <a:ln>
+            <a:noFill/>
+          </a:ln>
+        </p:spPr>
+        <p:txBody>
+          <a:bodyPr anchorCtr="0" anchor="t" bIns="91425" lIns="91425" spcFirstLastPara="1" rIns="91425" wrap="square" tIns="91425">
+            <a:normAutofit fontScale="85000" lnSpcReduction="20000"/>
+          </a:bodyPr>
+          <a:lstStyle/>
+          <a:p>
+            <a:pPr indent="0" lvl="0" marL="0" rtl="0" algn="l">
+              <a:lnSpc>
+                <a:spcPct val="115000"/>
+              </a:lnSpc>
+              <a:spcBef>
+                <a:spcPts val="0"/>
+              </a:spcBef>
+              <a:spcAft>
+                <a:spcPts val="0"/>
+              </a:spcAft>
+              <a:buNone/>
+            </a:pPr>
+            <a:r>
+              <a:rPr lang="en">
+                <a:latin typeface="Nunito"/>
+                <a:ea typeface="Nunito"/>
+                <a:cs typeface="Nunito"/>
+                <a:sym typeface="Nunito"/>
+              </a:rPr>
+              <a:t>Самая сложная часть - поисковой индекс по большей части сделана. </a:t>
+            </a:r>
+            <a:endParaRPr>
+              <a:latin typeface="Nunito"/>
+              <a:ea typeface="Nunito"/>
+              <a:cs typeface="Nunito"/>
+              <a:sym typeface="Nunito"/>
+            </a:endParaRPr>
+          </a:p>
+          <a:p>
+            <a:pPr indent="0" lvl="0" marL="0" rtl="0" algn="l">
+              <a:lnSpc>
+                <a:spcPct val="115000"/>
+              </a:lnSpc>
+              <a:spcBef>
+                <a:spcPts val="0"/>
+              </a:spcBef>
+              <a:spcAft>
+                <a:spcPts val="0"/>
+              </a:spcAft>
+              <a:buNone/>
+            </a:pPr>
+            <a:r>
+              <a:rPr lang="en">
+                <a:latin typeface="Nunito"/>
+                <a:ea typeface="Nunito"/>
+                <a:cs typeface="Nunito"/>
+                <a:sym typeface="Nunito"/>
+              </a:rPr>
+              <a:t>Дальнейшие шаги:</a:t>
+            </a:r>
+            <a:endParaRPr>
+              <a:latin typeface="Nunito"/>
+              <a:ea typeface="Nunito"/>
+              <a:cs typeface="Nunito"/>
+              <a:sym typeface="Nunito"/>
+            </a:endParaRPr>
+          </a:p>
+          <a:p>
+            <a:pPr indent="-325755" lvl="0" marL="457200" rtl="0" algn="l">
+              <a:lnSpc>
+                <a:spcPct val="115000"/>
+              </a:lnSpc>
+              <a:spcBef>
+                <a:spcPts val="0"/>
+              </a:spcBef>
+              <a:spcAft>
+                <a:spcPts val="0"/>
+              </a:spcAft>
+              <a:buSzPct val="100000"/>
+              <a:buFont typeface="Nunito"/>
+              <a:buChar char="-"/>
+            </a:pPr>
+            <a:r>
+              <a:rPr lang="en">
+                <a:latin typeface="Nunito"/>
+                <a:ea typeface="Nunito"/>
+                <a:cs typeface="Nunito"/>
+                <a:sym typeface="Nunito"/>
+              </a:rPr>
+              <a:t>Множество мелких улучшений, рефакторинг</a:t>
+            </a:r>
+            <a:endParaRPr>
+              <a:latin typeface="Nunito"/>
+              <a:ea typeface="Nunito"/>
+              <a:cs typeface="Nunito"/>
+              <a:sym typeface="Nunito"/>
+            </a:endParaRPr>
+          </a:p>
+          <a:p>
+            <a:pPr indent="-325755" lvl="0" marL="457200" rtl="0" algn="l">
+              <a:lnSpc>
+                <a:spcPct val="115000"/>
+              </a:lnSpc>
+              <a:spcBef>
+                <a:spcPts val="0"/>
+              </a:spcBef>
+              <a:spcAft>
+                <a:spcPts val="0"/>
+              </a:spcAft>
+              <a:buSzPct val="100000"/>
+              <a:buFont typeface="Nunito"/>
+              <a:buChar char="-"/>
+            </a:pPr>
+            <a:r>
+              <a:rPr lang="en">
+                <a:latin typeface="Nunito"/>
+                <a:ea typeface="Nunito"/>
+                <a:cs typeface="Nunito"/>
+                <a:sym typeface="Nunito"/>
+              </a:rPr>
+              <a:t>Драйвер для целевого языка</a:t>
+            </a:r>
+            <a:endParaRPr>
+              <a:latin typeface="Nunito"/>
+              <a:ea typeface="Nunito"/>
+              <a:cs typeface="Nunito"/>
+              <a:sym typeface="Nunito"/>
+            </a:endParaRPr>
+          </a:p>
+          <a:p>
+            <a:pPr indent="-325755" lvl="0" marL="457200" rtl="0" algn="l">
+              <a:lnSpc>
+                <a:spcPct val="115000"/>
+              </a:lnSpc>
+              <a:spcBef>
+                <a:spcPts val="0"/>
+              </a:spcBef>
+              <a:spcAft>
+                <a:spcPts val="0"/>
+              </a:spcAft>
+              <a:buSzPct val="100000"/>
+              <a:buFont typeface="Nunito"/>
+              <a:buChar char="-"/>
+            </a:pPr>
+            <a:r>
+              <a:rPr lang="en">
+                <a:latin typeface="Nunito"/>
+                <a:ea typeface="Nunito"/>
+                <a:cs typeface="Nunito"/>
+                <a:sym typeface="Nunito"/>
+              </a:rPr>
+              <a:t>Поддержать возможность конфигурирования (например, вариантности типов контейнеров)</a:t>
+            </a:r>
+            <a:endParaRPr>
+              <a:latin typeface="Nunito"/>
+              <a:ea typeface="Nunito"/>
+              <a:cs typeface="Nunito"/>
+              <a:sym typeface="Nunito"/>
+            </a:endParaRPr>
+          </a:p>
+          <a:p>
+            <a:pPr indent="-325755" lvl="0" marL="457200" rtl="0" algn="l">
+              <a:lnSpc>
+                <a:spcPct val="115000"/>
+              </a:lnSpc>
+              <a:spcBef>
+                <a:spcPts val="0"/>
+              </a:spcBef>
+              <a:spcAft>
+                <a:spcPts val="0"/>
+              </a:spcAft>
+              <a:buSzPct val="100000"/>
+              <a:buFont typeface="Nunito"/>
+              <a:buChar char="-"/>
+            </a:pPr>
+            <a:r>
+              <a:rPr lang="en">
+                <a:latin typeface="Nunito"/>
+                <a:ea typeface="Nunito"/>
+                <a:cs typeface="Nunito"/>
+                <a:sym typeface="Nunito"/>
+              </a:rPr>
+              <a:t>Тесты</a:t>
+            </a:r>
+            <a:endParaRPr>
+              <a:latin typeface="Nunito"/>
+              <a:ea typeface="Nunito"/>
+              <a:cs typeface="Nunito"/>
+              <a:sym typeface="Nunito"/>
+            </a:endParaRPr>
+          </a:p>
+          <a:p>
+            <a:pPr indent="-325755" lvl="0" marL="457200" rtl="0" algn="l">
+              <a:lnSpc>
+                <a:spcPct val="115000"/>
+              </a:lnSpc>
+              <a:spcBef>
+                <a:spcPts val="0"/>
+              </a:spcBef>
+              <a:spcAft>
+                <a:spcPts val="0"/>
+              </a:spcAft>
+              <a:buSzPct val="100000"/>
+              <a:buFont typeface="Nunito"/>
+              <a:buChar char="-"/>
+            </a:pPr>
+            <a:r>
+              <a:rPr lang="en">
+                <a:latin typeface="Nunito"/>
+                <a:ea typeface="Nunito"/>
+                <a:cs typeface="Nunito"/>
+                <a:sym typeface="Nunito"/>
+              </a:rPr>
+              <a:t>Валидация решения</a:t>
             </a:r>
             <a:endParaRPr>
               <a:solidFill>
-                <a:srgbClr val="666666"/>
+                <a:srgbClr val="000000"/>
+              </a:solidFill>
+              <a:latin typeface="Nunito"/>
+              <a:ea typeface="Nunito"/>
+              <a:cs typeface="Nunito"/>
+              <a:sym typeface="Nunito"/>
+            </a:endParaRPr>
+          </a:p>
+        </p:txBody>
+      </p:sp>
+      <p:sp>
+        <p:nvSpPr>
+          <p:cNvPr id="186" name="Google Shape;186;p24"/>
+          <p:cNvSpPr txBox="1"/>
+          <p:nvPr/>
+        </p:nvSpPr>
+        <p:spPr>
+          <a:xfrm>
+            <a:off x="472975" y="3817200"/>
+            <a:ext cx="7555500" cy="938100"/>
+          </a:xfrm>
+          <a:prstGeom prst="rect">
+            <a:avLst/>
+          </a:prstGeom>
+          <a:noFill/>
+          <a:ln>
+            <a:noFill/>
+          </a:ln>
+        </p:spPr>
+        <p:txBody>
+          <a:bodyPr anchorCtr="0" anchor="t" bIns="91425" lIns="91425" spcFirstLastPara="1" rIns="91425" wrap="square" tIns="91425">
+            <a:spAutoFit/>
+          </a:bodyPr>
+          <a:lstStyle/>
+          <a:p>
+            <a:pPr indent="0" lvl="0" marL="0" rtl="0" algn="l">
+              <a:lnSpc>
+                <a:spcPct val="115000"/>
+              </a:lnSpc>
+              <a:spcBef>
+                <a:spcPts val="0"/>
+              </a:spcBef>
+              <a:spcAft>
+                <a:spcPts val="0"/>
+              </a:spcAft>
+              <a:buNone/>
+            </a:pPr>
+            <a:r>
+              <a:rPr lang="en" sz="1100">
+                <a:solidFill>
+                  <a:schemeClr val="dk2"/>
+                </a:solidFill>
+                <a:latin typeface="Nunito"/>
+                <a:ea typeface="Nunito"/>
+                <a:cs typeface="Nunito"/>
+                <a:sym typeface="Nunito"/>
+              </a:rPr>
+              <a:t>Дополнительно:</a:t>
+            </a:r>
+            <a:endParaRPr sz="1100">
+              <a:solidFill>
+                <a:schemeClr val="dk2"/>
               </a:solidFill>
               <a:latin typeface="Nunito"/>
               <a:ea typeface="Nunito"/>
@@ -11181,7 +11954,7 @@
             </a:endParaRPr>
           </a:p>
           <a:p>
-            <a:pPr indent="-342900" lvl="0" marL="457200" rtl="0" algn="l">
+            <a:pPr indent="-298450" lvl="0" marL="457200" rtl="0" algn="l">
               <a:lnSpc>
                 <a:spcPct val="115000"/>
               </a:lnSpc>
@@ -11192,27 +11965,166 @@
                 <a:spcPts val="0"/>
               </a:spcAft>
               <a:buClr>
-                <a:srgbClr val="000000"/>
+                <a:schemeClr val="dk2"/>
               </a:buClr>
-              <a:buSzPts val="1800"/>
+              <a:buSzPts val="1100"/>
               <a:buFont typeface="Nunito"/>
               <a:buChar char="-"/>
             </a:pPr>
             <a:r>
-              <a:rPr lang="en">
-                <a:solidFill>
-                  <a:srgbClr val="000000"/>
+              <a:rPr lang="en" sz="1100">
+                <a:solidFill>
+                  <a:schemeClr val="dk2"/>
                 </a:solidFill>
                 <a:latin typeface="Nunito"/>
                 <a:ea typeface="Nunito"/>
                 <a:cs typeface="Nunito"/>
                 <a:sym typeface="Nunito"/>
               </a:rPr>
-              <a:t>Анализ полученного решения</a:t>
+              <a:t>Поддержка модульности</a:t>
             </a:r>
-            <a:endParaRPr>
+            <a:endParaRPr sz="1100">
               <a:solidFill>
-                <a:srgbClr val="000000"/>
+                <a:schemeClr val="dk2"/>
+              </a:solidFill>
+              <a:latin typeface="Nunito"/>
+              <a:ea typeface="Nunito"/>
+              <a:cs typeface="Nunito"/>
+              <a:sym typeface="Nunito"/>
+            </a:endParaRPr>
+          </a:p>
+          <a:p>
+            <a:pPr indent="-298450" lvl="0" marL="457200" rtl="0" algn="l">
+              <a:lnSpc>
+                <a:spcPct val="115000"/>
+              </a:lnSpc>
+              <a:spcBef>
+                <a:spcPts val="0"/>
+              </a:spcBef>
+              <a:spcAft>
+                <a:spcPts val="0"/>
+              </a:spcAft>
+              <a:buClr>
+                <a:schemeClr val="dk2"/>
+              </a:buClr>
+              <a:buSzPts val="1100"/>
+              <a:buFont typeface="Nunito"/>
+              <a:buChar char="-"/>
+            </a:pPr>
+            <a:r>
+              <a:rPr lang="en" sz="1100">
+                <a:solidFill>
+                  <a:schemeClr val="dk2"/>
+                </a:solidFill>
+                <a:latin typeface="Nunito"/>
+                <a:ea typeface="Nunito"/>
+                <a:cs typeface="Nunito"/>
+                <a:sym typeface="Nunito"/>
+              </a:rPr>
+              <a:t>Ранжирование результатов </a:t>
+            </a:r>
+            <a:endParaRPr sz="1100">
+              <a:solidFill>
+                <a:schemeClr val="dk2"/>
+              </a:solidFill>
+              <a:latin typeface="Nunito"/>
+              <a:ea typeface="Nunito"/>
+              <a:cs typeface="Nunito"/>
+              <a:sym typeface="Nunito"/>
+            </a:endParaRPr>
+          </a:p>
+          <a:p>
+            <a:pPr indent="-298450" lvl="0" marL="457200" rtl="0" algn="l">
+              <a:lnSpc>
+                <a:spcPct val="115000"/>
+              </a:lnSpc>
+              <a:spcBef>
+                <a:spcPts val="0"/>
+              </a:spcBef>
+              <a:spcAft>
+                <a:spcPts val="0"/>
+              </a:spcAft>
+              <a:buClr>
+                <a:schemeClr val="dk2"/>
+              </a:buClr>
+              <a:buSzPts val="1100"/>
+              <a:buFont typeface="Nunito"/>
+              <a:buChar char="-"/>
+            </a:pPr>
+            <a:r>
+              <a:rPr lang="en" sz="1100">
+                <a:solidFill>
+                  <a:schemeClr val="dk2"/>
+                </a:solidFill>
+                <a:latin typeface="Nunito"/>
+                <a:ea typeface="Nunito"/>
+                <a:cs typeface="Nunito"/>
+                <a:sym typeface="Nunito"/>
+              </a:rPr>
+              <a:t>Более глубокий анализ полученного решения</a:t>
+            </a:r>
+            <a:endParaRPr sz="700">
+              <a:solidFill>
+                <a:schemeClr val="dk2"/>
+              </a:solidFill>
+            </a:endParaRPr>
+          </a:p>
+        </p:txBody>
+      </p:sp>
+      <p:sp>
+        <p:nvSpPr>
+          <p:cNvPr id="187" name="Google Shape;187;p24"/>
+          <p:cNvSpPr txBox="1"/>
+          <p:nvPr>
+            <p:ph idx="1" type="body"/>
+          </p:nvPr>
+        </p:nvSpPr>
+        <p:spPr>
+          <a:xfrm>
+            <a:off x="516900" y="3399500"/>
+            <a:ext cx="3042300" cy="493500"/>
+          </a:xfrm>
+          <a:prstGeom prst="rect">
+            <a:avLst/>
+          </a:prstGeom>
+          <a:noFill/>
+          <a:ln>
+            <a:noFill/>
+          </a:ln>
+        </p:spPr>
+        <p:txBody>
+          <a:bodyPr anchorCtr="0" anchor="t" bIns="91425" lIns="91425" spcFirstLastPara="1" rIns="91425" wrap="square" tIns="91425">
+            <a:noAutofit/>
+          </a:bodyPr>
+          <a:lstStyle/>
+          <a:p>
+            <a:pPr indent="0" lvl="0" marL="0" rtl="0" algn="l">
+              <a:lnSpc>
+                <a:spcPct val="100000"/>
+              </a:lnSpc>
+              <a:spcBef>
+                <a:spcPts val="0"/>
+              </a:spcBef>
+              <a:spcAft>
+                <a:spcPts val="0"/>
+              </a:spcAft>
+              <a:buNone/>
+            </a:pPr>
+            <a:r>
+              <a:rPr lang="en" sz="1500">
+                <a:solidFill>
+                  <a:srgbClr val="666666"/>
+                </a:solidFill>
+                <a:latin typeface="Arial"/>
+                <a:ea typeface="Arial"/>
+                <a:cs typeface="Arial"/>
+                <a:sym typeface="Arial"/>
+              </a:rPr>
+              <a:t>Осталось работы на ~ месяц</a:t>
+            </a:r>
+            <a:endParaRPr sz="1500">
+              <a:solidFill>
+                <a:srgbClr val="666666"/>
               </a:solidFill>
               <a:latin typeface="Nunito"/>
               <a:ea typeface="Nunito"/>
@@ -11230,12 +12142,12 @@
 </p:sld>
 </file>
 
-<file path=ppt/slides/slide12.xml><?xml version="1.0" encoding="utf-8"?>
+<file path=ppt/slides/slide13.xml><?xml version="1.0" encoding="utf-8"?>
 <p:sld xmlns:a="http://schemas.openxmlformats.org/drawingml/2006/main" xmlns:r="http://schemas.openxmlformats.org/officeDocument/2006/relationships" xmlns:mc="http://schemas.openxmlformats.org/markup-compatibility/2006" xmlns:mv="urn:schemas-microsoft-com:mac:vml" xmlns:p="http://schemas.openxmlformats.org/presentationml/2006/main" xmlns:c="http://schemas.openxmlformats.org/drawingml/2006/chart" xmlns:dgm="http://schemas.openxmlformats.org/drawingml/2006/diagram" xmlns:o="urn:schemas-microsoft-com:office:office" xmlns:v="urn:schemas-microsoft-com:vml" xmlns:pvml="urn:schemas-microsoft-com:office:powerpoint" xmlns:com="http://schemas.openxmlformats.org/drawingml/2006/compatibility" xmlns:p14="http://schemas.microsoft.com/office/powerpoint/2010/main" xmlns:p15="http://schemas.microsoft.com/office/powerpoint/2012/main" xmlns:ahyp="http://schemas.microsoft.com/office/drawing/2018/hyperlinkcolor">
   <p:cSld>
     <p:spTree>
       <p:nvGrpSpPr>
-        <p:cNvPr id="178" name="Shape 178"/>
+        <p:cNvPr id="191" name="Shape 191"/>
         <p:cNvGrpSpPr/>
         <p:nvPr/>
       </p:nvGrpSpPr>
@@ -11249,7 +12161,551 @@
       </p:grpSpPr>
       <p:sp>
         <p:nvSpPr>
-          <p:cNvPr id="179" name="Google Shape;179;p24"/>
+          <p:cNvPr id="192" name="Google Shape;192;p25"/>
+          <p:cNvSpPr txBox="1"/>
+          <p:nvPr>
+            <p:ph type="title"/>
+          </p:nvPr>
+        </p:nvSpPr>
+        <p:spPr>
+          <a:xfrm>
+            <a:off x="311700" y="445025"/>
+            <a:ext cx="8520600" cy="572700"/>
+          </a:xfrm>
+          <a:prstGeom prst="rect">
+            <a:avLst/>
+          </a:prstGeom>
+          <a:noFill/>
+          <a:ln>
+            <a:noFill/>
+          </a:ln>
+        </p:spPr>
+        <p:txBody>
+          <a:bodyPr anchorCtr="0" anchor="t" bIns="91425" lIns="91425" spcFirstLastPara="1" rIns="91425" wrap="square" tIns="91425">
+            <a:normAutofit fontScale="90000"/>
+          </a:bodyPr>
+          <a:lstStyle/>
+          <a:p>
+            <a:pPr indent="0" lvl="0" marL="0" rtl="0" algn="l">
+              <a:lnSpc>
+                <a:spcPct val="100000"/>
+              </a:lnSpc>
+              <a:spcBef>
+                <a:spcPts val="0"/>
+              </a:spcBef>
+              <a:spcAft>
+                <a:spcPts val="0"/>
+              </a:spcAft>
+              <a:buSzPct val="111111"/>
+              <a:buNone/>
+            </a:pPr>
+            <a:r>
+              <a:rPr lang="en">
+                <a:latin typeface="Nunito"/>
+                <a:ea typeface="Nunito"/>
+                <a:cs typeface="Nunito"/>
+                <a:sym typeface="Nunito"/>
+              </a:rPr>
+              <a:t>Валиадация решения</a:t>
+            </a:r>
+            <a:endParaRPr>
+              <a:latin typeface="Nunito"/>
+              <a:ea typeface="Nunito"/>
+              <a:cs typeface="Nunito"/>
+              <a:sym typeface="Nunito"/>
+            </a:endParaRPr>
+          </a:p>
+        </p:txBody>
+      </p:sp>
+      <p:sp>
+        <p:nvSpPr>
+          <p:cNvPr id="193" name="Google Shape;193;p25"/>
+          <p:cNvSpPr txBox="1"/>
+          <p:nvPr>
+            <p:ph idx="12" type="sldNum"/>
+          </p:nvPr>
+        </p:nvSpPr>
+        <p:spPr>
+          <a:xfrm>
+            <a:off x="8472458" y="4663217"/>
+            <a:ext cx="548700" cy="393600"/>
+          </a:xfrm>
+          <a:prstGeom prst="rect">
+            <a:avLst/>
+          </a:prstGeom>
+          <a:noFill/>
+          <a:ln>
+            <a:noFill/>
+          </a:ln>
+        </p:spPr>
+        <p:txBody>
+          <a:bodyPr anchorCtr="0" anchor="ctr" bIns="91425" lIns="91425" spcFirstLastPara="1" rIns="91425" wrap="square" tIns="91425">
+            <a:noAutofit/>
+          </a:bodyPr>
+          <a:lstStyle/>
+          <a:p>
+            <a:pPr indent="0" lvl="0" marL="0" rtl="0" algn="r">
+              <a:lnSpc>
+                <a:spcPct val="100000"/>
+              </a:lnSpc>
+              <a:spcBef>
+                <a:spcPts val="0"/>
+              </a:spcBef>
+              <a:spcAft>
+                <a:spcPts val="0"/>
+              </a:spcAft>
+              <a:buSzPts val="1600"/>
+              <a:buNone/>
+            </a:pPr>
+            <a:fld id="{00000000-1234-1234-1234-123412341234}" type="slidenum">
+              <a:rPr lang="en"/>
+              <a:t>‹#›</a:t>
+            </a:fld>
+            <a:endParaRPr sz="2200"/>
+          </a:p>
+        </p:txBody>
+      </p:sp>
+      <p:sp>
+        <p:nvSpPr>
+          <p:cNvPr id="194" name="Google Shape;194;p25"/>
+          <p:cNvSpPr txBox="1"/>
+          <p:nvPr>
+            <p:ph idx="1" type="body"/>
+          </p:nvPr>
+        </p:nvSpPr>
+        <p:spPr>
+          <a:xfrm>
+            <a:off x="383750" y="2147250"/>
+            <a:ext cx="7645200" cy="2139000"/>
+          </a:xfrm>
+          <a:prstGeom prst="rect">
+            <a:avLst/>
+          </a:prstGeom>
+          <a:noFill/>
+          <a:ln>
+            <a:noFill/>
+          </a:ln>
+        </p:spPr>
+        <p:txBody>
+          <a:bodyPr anchorCtr="0" anchor="t" bIns="91425" lIns="91425" spcFirstLastPara="1" rIns="91425" wrap="square" tIns="91425">
+            <a:normAutofit fontScale="70000" lnSpcReduction="10000"/>
+          </a:bodyPr>
+          <a:lstStyle/>
+          <a:p>
+            <a:pPr indent="0" lvl="0" marL="0" rtl="0" algn="l">
+              <a:lnSpc>
+                <a:spcPct val="115000"/>
+              </a:lnSpc>
+              <a:spcBef>
+                <a:spcPts val="0"/>
+              </a:spcBef>
+              <a:spcAft>
+                <a:spcPts val="0"/>
+              </a:spcAft>
+              <a:buNone/>
+            </a:pPr>
+            <a:r>
+              <a:rPr lang="en">
+                <a:latin typeface="Nunito"/>
+                <a:ea typeface="Nunito"/>
+                <a:cs typeface="Nunito"/>
+                <a:sym typeface="Nunito"/>
+              </a:rPr>
+              <a:t>Но есть идея на 100% проверить решение</a:t>
+            </a:r>
+            <a:r>
+              <a:rPr lang="en">
+                <a:latin typeface="Nunito"/>
+                <a:ea typeface="Nunito"/>
+                <a:cs typeface="Nunito"/>
+                <a:sym typeface="Nunito"/>
+              </a:rPr>
+              <a:t> -</a:t>
+            </a:r>
+            <a:r>
+              <a:rPr lang="en">
+                <a:latin typeface="Nunito"/>
+                <a:ea typeface="Nunito"/>
+                <a:cs typeface="Nunito"/>
+                <a:sym typeface="Nunito"/>
+              </a:rPr>
+              <a:t> “</a:t>
+            </a:r>
+            <a:r>
+              <a:rPr lang="en">
+                <a:latin typeface="Nunito"/>
+                <a:ea typeface="Nunito"/>
+                <a:cs typeface="Nunito"/>
+                <a:sym typeface="Nunito"/>
+              </a:rPr>
+              <a:t>к</a:t>
+            </a:r>
+            <a:r>
+              <a:rPr lang="en">
+                <a:latin typeface="Nunito"/>
+                <a:ea typeface="Nunito"/>
+                <a:cs typeface="Nunito"/>
+                <a:sym typeface="Nunito"/>
+              </a:rPr>
+              <a:t>омпилируется значит корректно”, следовательно, алгоритм валидации следующий:</a:t>
+            </a:r>
+            <a:endParaRPr>
+              <a:latin typeface="Nunito"/>
+              <a:ea typeface="Nunito"/>
+              <a:cs typeface="Nunito"/>
+              <a:sym typeface="Nunito"/>
+            </a:endParaRPr>
+          </a:p>
+          <a:p>
+            <a:pPr indent="0" lvl="0" marL="0" rtl="0" algn="l">
+              <a:spcBef>
+                <a:spcPts val="0"/>
+              </a:spcBef>
+              <a:spcAft>
+                <a:spcPts val="0"/>
+              </a:spcAft>
+              <a:buClr>
+                <a:schemeClr val="dk1"/>
+              </a:buClr>
+              <a:buSzPct val="61111"/>
+              <a:buFont typeface="Arial"/>
+              <a:buNone/>
+            </a:pPr>
+            <a:r>
+              <a:t/>
+            </a:r>
+            <a:endParaRPr>
+              <a:latin typeface="Nunito"/>
+              <a:ea typeface="Nunito"/>
+              <a:cs typeface="Nunito"/>
+              <a:sym typeface="Nunito"/>
+            </a:endParaRPr>
+          </a:p>
+          <a:p>
+            <a:pPr indent="-308610" lvl="0" marL="457200" rtl="0" algn="l">
+              <a:spcBef>
+                <a:spcPts val="0"/>
+              </a:spcBef>
+              <a:spcAft>
+                <a:spcPts val="0"/>
+              </a:spcAft>
+              <a:buSzPct val="100000"/>
+              <a:buFont typeface="Nunito"/>
+              <a:buAutoNum type="arabicParenR"/>
+            </a:pPr>
+            <a:r>
+              <a:rPr lang="en">
+                <a:latin typeface="Nunito"/>
+                <a:ea typeface="Nunito"/>
+                <a:cs typeface="Nunito"/>
+                <a:sym typeface="Nunito"/>
+              </a:rPr>
+              <a:t>Находим по запросу все подходящие декларации</a:t>
+            </a:r>
+            <a:endParaRPr>
+              <a:latin typeface="Nunito"/>
+              <a:ea typeface="Nunito"/>
+              <a:cs typeface="Nunito"/>
+              <a:sym typeface="Nunito"/>
+            </a:endParaRPr>
+          </a:p>
+          <a:p>
+            <a:pPr indent="-308610" lvl="0" marL="457200" rtl="0" algn="l">
+              <a:spcBef>
+                <a:spcPts val="0"/>
+              </a:spcBef>
+              <a:spcAft>
+                <a:spcPts val="0"/>
+              </a:spcAft>
+              <a:buSzPct val="100000"/>
+              <a:buFont typeface="Nunito"/>
+              <a:buAutoNum type="arabicParenR"/>
+            </a:pPr>
+            <a:r>
+              <a:rPr lang="en">
+                <a:latin typeface="Nunito"/>
+                <a:ea typeface="Nunito"/>
+                <a:cs typeface="Nunito"/>
+                <a:sym typeface="Nunito"/>
+              </a:rPr>
+              <a:t>Генерируем код, где создается переменная искомого типа, которой присваивается один из кандидатов</a:t>
+            </a:r>
+            <a:endParaRPr>
+              <a:latin typeface="Nunito"/>
+              <a:ea typeface="Nunito"/>
+              <a:cs typeface="Nunito"/>
+              <a:sym typeface="Nunito"/>
+            </a:endParaRPr>
+          </a:p>
+          <a:p>
+            <a:pPr indent="-308610" lvl="0" marL="457200" rtl="0" algn="l">
+              <a:spcBef>
+                <a:spcPts val="0"/>
+              </a:spcBef>
+              <a:spcAft>
+                <a:spcPts val="0"/>
+              </a:spcAft>
+              <a:buSzPct val="100000"/>
+              <a:buFont typeface="Nunito"/>
+              <a:buAutoNum type="arabicParenR"/>
+            </a:pPr>
+            <a:r>
+              <a:rPr lang="en">
+                <a:latin typeface="Nunito"/>
+                <a:ea typeface="Nunito"/>
+                <a:cs typeface="Nunito"/>
+                <a:sym typeface="Nunito"/>
+              </a:rPr>
+              <a:t>Проверяем, что для найденных кандидатов такой код компилируется, а для прочих - нет</a:t>
+            </a:r>
+            <a:endParaRPr>
+              <a:latin typeface="Nunito"/>
+              <a:ea typeface="Nunito"/>
+              <a:cs typeface="Nunito"/>
+              <a:sym typeface="Nunito"/>
+            </a:endParaRPr>
+          </a:p>
+          <a:p>
+            <a:pPr indent="0" lvl="0" marL="0" rtl="0" algn="l">
+              <a:spcBef>
+                <a:spcPts val="0"/>
+              </a:spcBef>
+              <a:spcAft>
+                <a:spcPts val="0"/>
+              </a:spcAft>
+              <a:buNone/>
+            </a:pPr>
+            <a:r>
+              <a:t/>
+            </a:r>
+            <a:endParaRPr>
+              <a:latin typeface="Nunito"/>
+              <a:ea typeface="Nunito"/>
+              <a:cs typeface="Nunito"/>
+              <a:sym typeface="Nunito"/>
+            </a:endParaRPr>
+          </a:p>
+          <a:p>
+            <a:pPr indent="0" lvl="0" marL="0" rtl="0" algn="l">
+              <a:spcBef>
+                <a:spcPts val="0"/>
+              </a:spcBef>
+              <a:spcAft>
+                <a:spcPts val="0"/>
+              </a:spcAft>
+              <a:buClr>
+                <a:schemeClr val="dk1"/>
+              </a:buClr>
+              <a:buSzPct val="61111"/>
+              <a:buFont typeface="Arial"/>
+              <a:buNone/>
+            </a:pPr>
+            <a:r>
+              <a:t/>
+            </a:r>
+            <a:endParaRPr>
+              <a:latin typeface="Nunito"/>
+              <a:ea typeface="Nunito"/>
+              <a:cs typeface="Nunito"/>
+              <a:sym typeface="Nunito"/>
+            </a:endParaRPr>
+          </a:p>
+        </p:txBody>
+      </p:sp>
+      <p:pic>
+        <p:nvPicPr>
+          <p:cNvPr id="195" name="Google Shape;195;p25"/>
+          <p:cNvPicPr preferRelativeResize="0"/>
+          <p:nvPr/>
+        </p:nvPicPr>
+        <p:blipFill>
+          <a:blip r:embed="rId3">
+            <a:alphaModFix/>
+          </a:blip>
+          <a:stretch>
+            <a:fillRect/>
+          </a:stretch>
+        </p:blipFill>
+        <p:spPr>
+          <a:xfrm>
+            <a:off x="4121051" y="1219952"/>
+            <a:ext cx="4711248" cy="669925"/>
+          </a:xfrm>
+          <a:prstGeom prst="rect">
+            <a:avLst/>
+          </a:prstGeom>
+          <a:noFill/>
+          <a:ln>
+            <a:noFill/>
+          </a:ln>
+        </p:spPr>
+      </p:pic>
+      <p:sp>
+        <p:nvSpPr>
+          <p:cNvPr id="196" name="Google Shape;196;p25"/>
+          <p:cNvSpPr txBox="1"/>
+          <p:nvPr/>
+        </p:nvSpPr>
+        <p:spPr>
+          <a:xfrm>
+            <a:off x="311700" y="1183213"/>
+            <a:ext cx="3574500" cy="743400"/>
+          </a:xfrm>
+          <a:prstGeom prst="rect">
+            <a:avLst/>
+          </a:prstGeom>
+          <a:noFill/>
+          <a:ln>
+            <a:noFill/>
+          </a:ln>
+        </p:spPr>
+        <p:txBody>
+          <a:bodyPr anchorCtr="0" anchor="t" bIns="91425" lIns="91425" spcFirstLastPara="1" rIns="91425" wrap="square" tIns="91425">
+            <a:spAutoFit/>
+          </a:bodyPr>
+          <a:lstStyle/>
+          <a:p>
+            <a:pPr indent="0" lvl="0" marL="0" rtl="0" algn="l">
+              <a:lnSpc>
+                <a:spcPct val="115000"/>
+              </a:lnSpc>
+              <a:spcBef>
+                <a:spcPts val="0"/>
+              </a:spcBef>
+              <a:spcAft>
+                <a:spcPts val="0"/>
+              </a:spcAft>
+              <a:buNone/>
+            </a:pPr>
+            <a:r>
+              <a:rPr lang="en" sz="1100">
+                <a:solidFill>
+                  <a:schemeClr val="dk1"/>
+                </a:solidFill>
+                <a:latin typeface="Nunito"/>
+                <a:ea typeface="Nunito"/>
+                <a:cs typeface="Nunito"/>
+                <a:sym typeface="Nunito"/>
+              </a:rPr>
+              <a:t>На данный момент имеется частичное покрытие юнит тестами. Корректность в сложных случаях проверяется вручную. </a:t>
+            </a:r>
+            <a:endParaRPr sz="700"/>
+          </a:p>
+        </p:txBody>
+      </p:sp>
+      <p:pic>
+        <p:nvPicPr>
+          <p:cNvPr id="197" name="Google Shape;197;p25"/>
+          <p:cNvPicPr preferRelativeResize="0"/>
+          <p:nvPr/>
+        </p:nvPicPr>
+        <p:blipFill>
+          <a:blip r:embed="rId4">
+            <a:alphaModFix/>
+          </a:blip>
+          <a:stretch>
+            <a:fillRect/>
+          </a:stretch>
+        </p:blipFill>
+        <p:spPr>
+          <a:xfrm>
+            <a:off x="4940102" y="3654476"/>
+            <a:ext cx="3413898" cy="1263550"/>
+          </a:xfrm>
+          <a:prstGeom prst="rect">
+            <a:avLst/>
+          </a:prstGeom>
+          <a:noFill/>
+          <a:ln>
+            <a:noFill/>
+          </a:ln>
+        </p:spPr>
+      </p:pic>
+      <p:sp>
+        <p:nvSpPr>
+          <p:cNvPr id="198" name="Google Shape;198;p25"/>
+          <p:cNvSpPr txBox="1"/>
+          <p:nvPr/>
+        </p:nvSpPr>
+        <p:spPr>
+          <a:xfrm>
+            <a:off x="311700" y="4011900"/>
+            <a:ext cx="4593600" cy="548700"/>
+          </a:xfrm>
+          <a:prstGeom prst="rect">
+            <a:avLst/>
+          </a:prstGeom>
+          <a:noFill/>
+          <a:ln>
+            <a:noFill/>
+          </a:ln>
+        </p:spPr>
+        <p:txBody>
+          <a:bodyPr anchorCtr="0" anchor="t" bIns="91425" lIns="91425" spcFirstLastPara="1" rIns="91425" wrap="square" tIns="91425">
+            <a:spAutoFit/>
+          </a:bodyPr>
+          <a:lstStyle/>
+          <a:p>
+            <a:pPr indent="0" lvl="0" marL="0" rtl="0" algn="l">
+              <a:lnSpc>
+                <a:spcPct val="115000"/>
+              </a:lnSpc>
+              <a:spcBef>
+                <a:spcPts val="0"/>
+              </a:spcBef>
+              <a:spcAft>
+                <a:spcPts val="0"/>
+              </a:spcAft>
+              <a:buNone/>
+            </a:pPr>
+            <a:r>
+              <a:rPr lang="en" sz="1100">
+                <a:solidFill>
+                  <a:schemeClr val="dk2"/>
+                </a:solidFill>
+                <a:latin typeface="Nunito"/>
+                <a:ea typeface="Nunito"/>
+                <a:cs typeface="Nunito"/>
+                <a:sym typeface="Nunito"/>
+              </a:rPr>
+              <a:t>Достаточно проверить корректность на функциональных типах, все прочие могут присутствовать в качестве вложенных.</a:t>
+            </a:r>
+            <a:endParaRPr sz="700">
+              <a:solidFill>
+                <a:schemeClr val="dk2"/>
+              </a:solidFill>
+            </a:endParaRPr>
+          </a:p>
+        </p:txBody>
+      </p:sp>
+    </p:spTree>
+  </p:cSld>
+  <p:clrMapOvr>
+    <a:masterClrMapping/>
+  </p:clrMapOvr>
+</p:sld>
+</file>
+
+<file path=ppt/slides/slide14.xml><?xml version="1.0" encoding="utf-8"?>
+<p:sld xmlns:a="http://schemas.openxmlformats.org/drawingml/2006/main" xmlns:r="http://schemas.openxmlformats.org/officeDocument/2006/relationships" xmlns:mc="http://schemas.openxmlformats.org/markup-compatibility/2006" xmlns:mv="urn:schemas-microsoft-com:mac:vml" xmlns:p="http://schemas.openxmlformats.org/presentationml/2006/main" xmlns:c="http://schemas.openxmlformats.org/drawingml/2006/chart" xmlns:dgm="http://schemas.openxmlformats.org/drawingml/2006/diagram" xmlns:o="urn:schemas-microsoft-com:office:office" xmlns:v="urn:schemas-microsoft-com:vml" xmlns:pvml="urn:schemas-microsoft-com:office:powerpoint" xmlns:com="http://schemas.openxmlformats.org/drawingml/2006/compatibility" xmlns:p14="http://schemas.microsoft.com/office/powerpoint/2010/main" xmlns:p15="http://schemas.microsoft.com/office/powerpoint/2012/main" xmlns:ahyp="http://schemas.microsoft.com/office/drawing/2018/hyperlinkcolor">
+  <p:cSld>
+    <p:spTree>
+      <p:nvGrpSpPr>
+        <p:cNvPr id="202" name="Shape 202"/>
+        <p:cNvGrpSpPr/>
+        <p:nvPr/>
+      </p:nvGrpSpPr>
+      <p:grpSpPr>
+        <a:xfrm>
+          <a:off x="0" y="0"/>
+          <a:ext cx="0" cy="0"/>
+          <a:chOff x="0" y="0"/>
+          <a:chExt cx="0" cy="0"/>
+        </a:xfrm>
+      </p:grpSpPr>
+      <p:sp>
+        <p:nvSpPr>
+          <p:cNvPr id="203" name="Google Shape;203;p26"/>
           <p:cNvSpPr txBox="1"/>
           <p:nvPr>
             <p:ph type="ctrTitle"/>
@@ -11307,7 +12763,7 @@
       </p:sp>
       <p:pic>
         <p:nvPicPr>
-          <p:cNvPr id="180" name="Google Shape;180;p24"/>
+          <p:cNvPr id="204" name="Google Shape;204;p26"/>
           <p:cNvPicPr preferRelativeResize="0"/>
           <p:nvPr/>
         </p:nvPicPr>
@@ -11334,7 +12790,7 @@
       </p:pic>
       <p:cxnSp>
         <p:nvCxnSpPr>
-          <p:cNvPr id="181" name="Google Shape;181;p24"/>
+          <p:cNvPr id="205" name="Google Shape;205;p26"/>
           <p:cNvCxnSpPr/>
           <p:nvPr/>
         </p:nvCxnSpPr>
@@ -11360,7 +12816,7 @@
       </p:cxnSp>
       <p:cxnSp>
         <p:nvCxnSpPr>
-          <p:cNvPr id="182" name="Google Shape;182;p24"/>
+          <p:cNvPr id="206" name="Google Shape;206;p26"/>
           <p:cNvCxnSpPr/>
           <p:nvPr/>
         </p:nvCxnSpPr>
@@ -11386,7 +12842,7 @@
       </p:cxnSp>
       <p:sp>
         <p:nvSpPr>
-          <p:cNvPr id="183" name="Google Shape;183;p24"/>
+          <p:cNvPr id="207" name="Google Shape;207;p26"/>
           <p:cNvSpPr txBox="1"/>
           <p:nvPr/>
         </p:nvSpPr>
@@ -12439,37 +13895,9 @@
           </a:ln>
         </p:spPr>
       </p:pic>
-      <p:pic>
-        <p:nvPicPr>
-          <p:cNvPr id="86" name="Google Shape;86;p15"/>
-          <p:cNvPicPr preferRelativeResize="0"/>
-          <p:nvPr/>
-        </p:nvPicPr>
-        <p:blipFill>
-          <a:blip r:embed="rId6">
-            <a:alphaModFix/>
-          </a:blip>
-          <a:stretch>
-            <a:fillRect/>
-          </a:stretch>
-        </p:blipFill>
-        <p:spPr>
-          <a:xfrm>
-            <a:off x="6288952" y="2848975"/>
-            <a:ext cx="3125397" cy="1596313"/>
-          </a:xfrm>
-          <a:prstGeom prst="rect">
-            <a:avLst/>
-          </a:prstGeom>
-          <a:noFill/>
-          <a:ln>
-            <a:noFill/>
-          </a:ln>
-        </p:spPr>
-      </p:pic>
       <p:cxnSp>
         <p:nvCxnSpPr>
-          <p:cNvPr id="87" name="Google Shape;87;p15"/>
+          <p:cNvPr id="86" name="Google Shape;86;p15"/>
           <p:cNvCxnSpPr>
             <a:stCxn id="84" idx="3"/>
             <a:endCxn id="85" idx="1"/>
@@ -12500,17 +13928,17 @@
       </p:cxnSp>
       <p:cxnSp>
         <p:nvCxnSpPr>
-          <p:cNvPr id="88" name="Google Shape;88;p15"/>
+          <p:cNvPr id="87" name="Google Shape;87;p15"/>
           <p:cNvCxnSpPr>
             <a:stCxn id="85" idx="3"/>
-            <a:endCxn id="86" idx="2"/>
+            <a:endCxn id="88" idx="2"/>
           </p:cNvCxnSpPr>
           <p:nvPr/>
         </p:nvCxnSpPr>
         <p:spPr>
           <a:xfrm flipH="1" rot="10800000">
-            <a:off x="5988950" y="4445388"/>
-            <a:ext cx="1862700" cy="137700"/>
+            <a:off x="5988950" y="4367988"/>
+            <a:ext cx="1792500" cy="215100"/>
           </a:xfrm>
           <a:prstGeom prst="curvedConnector2">
             <a:avLst/>
@@ -12534,7 +13962,7 @@
           <p:nvPr/>
         </p:nvPicPr>
         <p:blipFill>
-          <a:blip r:embed="rId7">
+          <a:blip r:embed="rId6">
             <a:alphaModFix/>
           </a:blip>
           <a:stretch>
@@ -12584,6 +14012,34 @@
           </a:ln>
         </p:spPr>
       </p:cxnSp>
+      <p:pic>
+        <p:nvPicPr>
+          <p:cNvPr id="88" name="Google Shape;88;p15"/>
+          <p:cNvPicPr preferRelativeResize="0"/>
+          <p:nvPr/>
+        </p:nvPicPr>
+        <p:blipFill>
+          <a:blip r:embed="rId7">
+            <a:alphaModFix/>
+          </a:blip>
+          <a:stretch>
+            <a:fillRect/>
+          </a:stretch>
+        </p:blipFill>
+        <p:spPr>
+          <a:xfrm>
+            <a:off x="6284425" y="3103663"/>
+            <a:ext cx="2994100" cy="1264175"/>
+          </a:xfrm>
+          <a:prstGeom prst="rect">
+            <a:avLst/>
+          </a:prstGeom>
+          <a:noFill/>
+          <a:ln>
+            <a:noFill/>
+          </a:ln>
+        </p:spPr>
+      </p:pic>
     </p:spTree>
   </p:cSld>
   <p:clrMapOvr>
@@ -12715,236 +14171,9 @@
           </a:p>
         </p:txBody>
       </p:sp>
-      <p:sp>
-        <p:nvSpPr>
-          <p:cNvPr id="97" name="Google Shape;97;p16"/>
-          <p:cNvSpPr txBox="1"/>
-          <p:nvPr>
-            <p:ph idx="1" type="body"/>
-          </p:nvPr>
-        </p:nvSpPr>
-        <p:spPr>
-          <a:xfrm>
-            <a:off x="311700" y="1293350"/>
-            <a:ext cx="5096700" cy="2903400"/>
-          </a:xfrm>
-          <a:prstGeom prst="rect">
-            <a:avLst/>
-          </a:prstGeom>
-          <a:noFill/>
-          <a:ln>
-            <a:noFill/>
-          </a:ln>
-        </p:spPr>
-        <p:txBody>
-          <a:bodyPr anchorCtr="0" anchor="t" bIns="91425" lIns="91425" spcFirstLastPara="1" rIns="91425" wrap="square" tIns="91425">
-            <a:normAutofit fontScale="85000" lnSpcReduction="20000"/>
-          </a:bodyPr>
-          <a:lstStyle/>
-          <a:p>
-            <a:pPr indent="0" lvl="0" marL="0" rtl="0" algn="l">
-              <a:lnSpc>
-                <a:spcPct val="115000"/>
-              </a:lnSpc>
-              <a:spcBef>
-                <a:spcPts val="0"/>
-              </a:spcBef>
-              <a:spcAft>
-                <a:spcPts val="0"/>
-              </a:spcAft>
-              <a:buNone/>
-            </a:pPr>
-            <a:r>
-              <a:t/>
-            </a:r>
-            <a:endParaRPr>
-              <a:latin typeface="Nunito"/>
-              <a:ea typeface="Nunito"/>
-              <a:cs typeface="Nunito"/>
-              <a:sym typeface="Nunito"/>
-            </a:endParaRPr>
-          </a:p>
-          <a:p>
-            <a:pPr indent="-325755" lvl="0" marL="457200" rtl="0" algn="l">
-              <a:lnSpc>
-                <a:spcPct val="115000"/>
-              </a:lnSpc>
-              <a:spcBef>
-                <a:spcPts val="0"/>
-              </a:spcBef>
-              <a:spcAft>
-                <a:spcPts val="0"/>
-              </a:spcAft>
-              <a:buSzPct val="100000"/>
-              <a:buFont typeface="Nunito"/>
-              <a:buChar char="-"/>
-            </a:pPr>
-            <a:r>
-              <a:rPr lang="en">
-                <a:latin typeface="Nunito"/>
-                <a:ea typeface="Nunito"/>
-                <a:cs typeface="Nunito"/>
-                <a:sym typeface="Nunito"/>
-              </a:rPr>
-              <a:t>Возможность обобщить </a:t>
-            </a:r>
-            <a:r>
-              <a:rPr i="1" lang="en">
-                <a:latin typeface="Nunito Medium"/>
-                <a:ea typeface="Nunito Medium"/>
-                <a:cs typeface="Nunito Medium"/>
-                <a:sym typeface="Nunito Medium"/>
-              </a:rPr>
-              <a:t>поиск деклараций по сигнатурам</a:t>
-            </a:r>
-            <a:r>
-              <a:rPr lang="en">
-                <a:latin typeface="Nunito"/>
-                <a:ea typeface="Nunito"/>
-                <a:cs typeface="Nunito"/>
-                <a:sym typeface="Nunito"/>
-              </a:rPr>
-              <a:t> на </a:t>
-            </a:r>
-            <a:r>
-              <a:rPr lang="en">
-                <a:latin typeface="Nunito Medium"/>
-                <a:ea typeface="Nunito Medium"/>
-                <a:cs typeface="Nunito Medium"/>
-                <a:sym typeface="Nunito Medium"/>
-              </a:rPr>
-              <a:t>к</a:t>
-            </a:r>
-            <a:r>
-              <a:rPr i="1" lang="en">
-                <a:latin typeface="Nunito Medium"/>
-                <a:ea typeface="Nunito Medium"/>
-                <a:cs typeface="Nunito Medium"/>
-                <a:sym typeface="Nunito Medium"/>
-              </a:rPr>
-              <a:t>онструирование выражений, подходящих под типовой путь</a:t>
-            </a:r>
-            <a:endParaRPr i="1">
-              <a:latin typeface="Nunito Medium"/>
-              <a:ea typeface="Nunito Medium"/>
-              <a:cs typeface="Nunito Medium"/>
-              <a:sym typeface="Nunito Medium"/>
-            </a:endParaRPr>
-          </a:p>
-          <a:p>
-            <a:pPr indent="-325755" lvl="0" marL="457200" rtl="0" algn="l">
-              <a:lnSpc>
-                <a:spcPct val="115000"/>
-              </a:lnSpc>
-              <a:spcBef>
-                <a:spcPts val="0"/>
-              </a:spcBef>
-              <a:spcAft>
-                <a:spcPts val="0"/>
-              </a:spcAft>
-              <a:buSzPct val="100000"/>
-              <a:buFont typeface="Nunito"/>
-              <a:buChar char="-"/>
-            </a:pPr>
-            <a:r>
-              <a:rPr lang="en">
-                <a:latin typeface="Nunito"/>
-                <a:ea typeface="Nunito"/>
-                <a:cs typeface="Nunito"/>
-                <a:sym typeface="Nunito"/>
-              </a:rPr>
-              <a:t>Проверить полезность такого инструмента для мультипарадигменного языка и </a:t>
-            </a:r>
-            <a:r>
-              <a:rPr i="1" lang="en">
-                <a:latin typeface="Nunito"/>
-                <a:ea typeface="Nunito"/>
-                <a:cs typeface="Nunito"/>
-                <a:sym typeface="Nunito"/>
-              </a:rPr>
-              <a:t>условия, необходимые для переиспользования</a:t>
-            </a:r>
-            <a:r>
-              <a:rPr lang="en">
-                <a:latin typeface="Nunito"/>
-                <a:ea typeface="Nunito"/>
-                <a:cs typeface="Nunito"/>
-                <a:sym typeface="Nunito"/>
-              </a:rPr>
-              <a:t> его в разных языках и системах типов </a:t>
-            </a:r>
-            <a:endParaRPr>
-              <a:latin typeface="Nunito"/>
-              <a:ea typeface="Nunito"/>
-              <a:cs typeface="Nunito"/>
-              <a:sym typeface="Nunito"/>
-            </a:endParaRPr>
-          </a:p>
-          <a:p>
-            <a:pPr indent="-325755" lvl="0" marL="457200" rtl="0" algn="l">
-              <a:spcBef>
-                <a:spcPts val="0"/>
-              </a:spcBef>
-              <a:spcAft>
-                <a:spcPts val="0"/>
-              </a:spcAft>
-              <a:buSzPct val="100000"/>
-              <a:buFont typeface="Nunito"/>
-              <a:buChar char="-"/>
-            </a:pPr>
-            <a:r>
-              <a:rPr b="1" lang="en">
-                <a:latin typeface="Nunito"/>
-                <a:ea typeface="Nunito"/>
-                <a:cs typeface="Nunito"/>
-                <a:sym typeface="Nunito"/>
-              </a:rPr>
-              <a:t>Инженерная сложность</a:t>
-            </a:r>
-            <a:r>
-              <a:rPr lang="en">
-                <a:latin typeface="Nunito"/>
-                <a:ea typeface="Nunito"/>
-                <a:cs typeface="Nunito"/>
-                <a:sym typeface="Nunito"/>
-              </a:rPr>
-              <a:t> состоит в реализации производительного и ресурсоэффективного решения</a:t>
-            </a:r>
-            <a:endParaRPr>
-              <a:latin typeface="Nunito"/>
-              <a:ea typeface="Nunito"/>
-              <a:cs typeface="Nunito"/>
-              <a:sym typeface="Nunito"/>
-            </a:endParaRPr>
-          </a:p>
-          <a:p>
-            <a:pPr indent="0" lvl="0" marL="0" rtl="0" algn="l">
-              <a:lnSpc>
-                <a:spcPct val="115000"/>
-              </a:lnSpc>
-              <a:spcBef>
-                <a:spcPts val="0"/>
-              </a:spcBef>
-              <a:spcAft>
-                <a:spcPts val="0"/>
-              </a:spcAft>
-              <a:buNone/>
-            </a:pPr>
-            <a:r>
-              <a:t/>
-            </a:r>
-            <a:endParaRPr>
-              <a:latin typeface="Nunito"/>
-              <a:ea typeface="Nunito"/>
-              <a:cs typeface="Nunito"/>
-              <a:sym typeface="Nunito"/>
-            </a:endParaRPr>
-          </a:p>
-        </p:txBody>
-      </p:sp>
       <p:pic>
         <p:nvPicPr>
-          <p:cNvPr id="98" name="Google Shape;98;p16"/>
+          <p:cNvPr id="97" name="Google Shape;97;p16"/>
           <p:cNvPicPr preferRelativeResize="0"/>
           <p:nvPr/>
         </p:nvPicPr>
@@ -12972,7 +14201,7 @@
       </p:pic>
       <p:pic>
         <p:nvPicPr>
-          <p:cNvPr id="99" name="Google Shape;99;p16"/>
+          <p:cNvPr id="98" name="Google Shape;98;p16"/>
           <p:cNvPicPr preferRelativeResize="0"/>
           <p:nvPr/>
         </p:nvPicPr>
@@ -13000,10 +14229,10 @@
       </p:pic>
       <p:cxnSp>
         <p:nvCxnSpPr>
-          <p:cNvPr id="100" name="Google Shape;100;p16"/>
+          <p:cNvPr id="99" name="Google Shape;99;p16"/>
           <p:cNvCxnSpPr>
-            <a:stCxn id="98" idx="2"/>
-            <a:endCxn id="99" idx="3"/>
+            <a:stCxn id="97" idx="2"/>
+            <a:endCxn id="98" idx="3"/>
           </p:cNvCxnSpPr>
           <p:nvPr/>
         </p:nvCxnSpPr>
@@ -13027,6 +14256,328 @@
           </a:ln>
         </p:spPr>
       </p:cxnSp>
+      <p:sp>
+        <p:nvSpPr>
+          <p:cNvPr id="100" name="Google Shape;100;p16"/>
+          <p:cNvSpPr txBox="1"/>
+          <p:nvPr/>
+        </p:nvSpPr>
+        <p:spPr>
+          <a:xfrm>
+            <a:off x="270625" y="1103525"/>
+            <a:ext cx="4758900" cy="2878200"/>
+          </a:xfrm>
+          <a:prstGeom prst="rect">
+            <a:avLst/>
+          </a:prstGeom>
+          <a:noFill/>
+          <a:ln>
+            <a:noFill/>
+          </a:ln>
+        </p:spPr>
+        <p:txBody>
+          <a:bodyPr anchorCtr="0" anchor="t" bIns="91425" lIns="91425" spcFirstLastPara="1" rIns="91425" wrap="square" tIns="91425">
+            <a:spAutoFit/>
+          </a:bodyPr>
+          <a:lstStyle/>
+          <a:p>
+            <a:pPr indent="0" lvl="0" marL="0" rtl="0" algn="l">
+              <a:lnSpc>
+                <a:spcPct val="115000"/>
+              </a:lnSpc>
+              <a:spcBef>
+                <a:spcPts val="0"/>
+              </a:spcBef>
+              <a:spcAft>
+                <a:spcPts val="0"/>
+              </a:spcAft>
+              <a:buNone/>
+            </a:pPr>
+            <a:r>
+              <a:t/>
+            </a:r>
+            <a:endParaRPr>
+              <a:solidFill>
+                <a:schemeClr val="dk1"/>
+              </a:solidFill>
+              <a:latin typeface="Nunito"/>
+              <a:ea typeface="Nunito"/>
+              <a:cs typeface="Nunito"/>
+              <a:sym typeface="Nunito"/>
+            </a:endParaRPr>
+          </a:p>
+          <a:p>
+            <a:pPr indent="-317500" lvl="0" marL="457200" rtl="0" algn="l">
+              <a:lnSpc>
+                <a:spcPct val="115000"/>
+              </a:lnSpc>
+              <a:spcBef>
+                <a:spcPts val="0"/>
+              </a:spcBef>
+              <a:spcAft>
+                <a:spcPts val="0"/>
+              </a:spcAft>
+              <a:buClr>
+                <a:schemeClr val="dk1"/>
+              </a:buClr>
+              <a:buSzPts val="1400"/>
+              <a:buFont typeface="Nunito"/>
+              <a:buChar char="-"/>
+            </a:pPr>
+            <a:r>
+              <a:rPr lang="en">
+                <a:solidFill>
+                  <a:schemeClr val="dk1"/>
+                </a:solidFill>
+                <a:latin typeface="Nunito"/>
+                <a:ea typeface="Nunito"/>
+                <a:cs typeface="Nunito"/>
+                <a:sym typeface="Nunito"/>
+              </a:rPr>
+              <a:t>Выделение </a:t>
+            </a:r>
+            <a:r>
+              <a:rPr i="1" lang="en">
+                <a:solidFill>
+                  <a:schemeClr val="dk1"/>
+                </a:solidFill>
+                <a:latin typeface="Nunito"/>
+                <a:ea typeface="Nunito"/>
+                <a:cs typeface="Nunito"/>
+                <a:sym typeface="Nunito"/>
+              </a:rPr>
+              <a:t>общей базы</a:t>
+            </a:r>
+            <a:r>
+              <a:rPr lang="en">
+                <a:solidFill>
+                  <a:schemeClr val="dk1"/>
+                </a:solidFill>
+                <a:latin typeface="Nunito"/>
+                <a:ea typeface="Nunito"/>
+                <a:cs typeface="Nunito"/>
+                <a:sym typeface="Nunito"/>
+              </a:rPr>
+              <a:t>, позволяющей реализовать такой поиск, </a:t>
+            </a:r>
+            <a:r>
+              <a:rPr i="1" lang="en">
+                <a:solidFill>
+                  <a:schemeClr val="dk1"/>
+                </a:solidFill>
+                <a:latin typeface="Nunito"/>
+                <a:ea typeface="Nunito"/>
+                <a:cs typeface="Nunito"/>
+                <a:sym typeface="Nunito"/>
+              </a:rPr>
+              <a:t>для разных языков </a:t>
+            </a:r>
+            <a:endParaRPr i="1">
+              <a:solidFill>
+                <a:schemeClr val="dk1"/>
+              </a:solidFill>
+              <a:latin typeface="Nunito"/>
+              <a:ea typeface="Nunito"/>
+              <a:cs typeface="Nunito"/>
+              <a:sym typeface="Nunito"/>
+            </a:endParaRPr>
+          </a:p>
+          <a:p>
+            <a:pPr indent="-317500" lvl="0" marL="457200" rtl="0" algn="l">
+              <a:lnSpc>
+                <a:spcPct val="115000"/>
+              </a:lnSpc>
+              <a:spcBef>
+                <a:spcPts val="0"/>
+              </a:spcBef>
+              <a:spcAft>
+                <a:spcPts val="0"/>
+              </a:spcAft>
+              <a:buClr>
+                <a:schemeClr val="dk1"/>
+              </a:buClr>
+              <a:buSzPts val="1400"/>
+              <a:buFont typeface="Nunito"/>
+              <a:buChar char="-"/>
+            </a:pPr>
+            <a:r>
+              <a:rPr lang="en">
+                <a:solidFill>
+                  <a:schemeClr val="dk1"/>
+                </a:solidFill>
+                <a:latin typeface="Nunito"/>
+                <a:ea typeface="Nunito"/>
+                <a:cs typeface="Nunito"/>
+                <a:sym typeface="Nunito"/>
+              </a:rPr>
+              <a:t>Возможность обобщения </a:t>
+            </a:r>
+            <a:r>
+              <a:rPr i="1" lang="en">
+                <a:solidFill>
+                  <a:schemeClr val="dk1"/>
+                </a:solidFill>
+                <a:latin typeface="Nunito Medium"/>
+                <a:ea typeface="Nunito Medium"/>
+                <a:cs typeface="Nunito Medium"/>
+                <a:sym typeface="Nunito Medium"/>
+              </a:rPr>
+              <a:t>поиска деклараций по сигнатурам</a:t>
+            </a:r>
+            <a:r>
+              <a:rPr lang="en">
+                <a:solidFill>
+                  <a:schemeClr val="dk1"/>
+                </a:solidFill>
+                <a:latin typeface="Nunito"/>
+                <a:ea typeface="Nunito"/>
+                <a:cs typeface="Nunito"/>
+                <a:sym typeface="Nunito"/>
+              </a:rPr>
+              <a:t> до </a:t>
+            </a:r>
+            <a:r>
+              <a:rPr lang="en">
+                <a:solidFill>
+                  <a:schemeClr val="dk1"/>
+                </a:solidFill>
+                <a:latin typeface="Nunito Medium"/>
+                <a:ea typeface="Nunito Medium"/>
+                <a:cs typeface="Nunito Medium"/>
+                <a:sym typeface="Nunito Medium"/>
+              </a:rPr>
+              <a:t>к</a:t>
+            </a:r>
+            <a:r>
+              <a:rPr i="1" lang="en">
+                <a:solidFill>
+                  <a:schemeClr val="dk1"/>
+                </a:solidFill>
+                <a:latin typeface="Nunito Medium"/>
+                <a:ea typeface="Nunito Medium"/>
+                <a:cs typeface="Nunito Medium"/>
+                <a:sym typeface="Nunito Medium"/>
+              </a:rPr>
+              <a:t>онструирования выражений, подходящих под типовой путь</a:t>
+            </a:r>
+            <a:endParaRPr i="1">
+              <a:solidFill>
+                <a:schemeClr val="dk1"/>
+              </a:solidFill>
+              <a:latin typeface="Nunito Medium"/>
+              <a:ea typeface="Nunito Medium"/>
+              <a:cs typeface="Nunito Medium"/>
+              <a:sym typeface="Nunito Medium"/>
+            </a:endParaRPr>
+          </a:p>
+          <a:p>
+            <a:pPr indent="-317500" lvl="0" marL="457200" rtl="0" algn="l">
+              <a:lnSpc>
+                <a:spcPct val="115000"/>
+              </a:lnSpc>
+              <a:spcBef>
+                <a:spcPts val="0"/>
+              </a:spcBef>
+              <a:spcAft>
+                <a:spcPts val="0"/>
+              </a:spcAft>
+              <a:buClr>
+                <a:schemeClr val="dk1"/>
+              </a:buClr>
+              <a:buSzPts val="1400"/>
+              <a:buFont typeface="Nunito"/>
+              <a:buChar char="-"/>
+            </a:pPr>
+            <a:r>
+              <a:rPr lang="en">
+                <a:solidFill>
+                  <a:schemeClr val="dk1"/>
+                </a:solidFill>
+                <a:latin typeface="Nunito"/>
+                <a:ea typeface="Nunito"/>
+                <a:cs typeface="Nunito"/>
+                <a:sym typeface="Nunito"/>
+              </a:rPr>
+              <a:t>Реализация эффективного алгоритма хранения и обработки деклараций и их типов</a:t>
+            </a:r>
+            <a:endParaRPr>
+              <a:solidFill>
+                <a:schemeClr val="dk1"/>
+              </a:solidFill>
+              <a:latin typeface="Nunito"/>
+              <a:ea typeface="Nunito"/>
+              <a:cs typeface="Nunito"/>
+              <a:sym typeface="Nunito"/>
+            </a:endParaRPr>
+          </a:p>
+          <a:p>
+            <a:pPr indent="-317500" lvl="0" marL="457200" rtl="0" algn="l">
+              <a:lnSpc>
+                <a:spcPct val="115000"/>
+              </a:lnSpc>
+              <a:spcBef>
+                <a:spcPts val="0"/>
+              </a:spcBef>
+              <a:spcAft>
+                <a:spcPts val="0"/>
+              </a:spcAft>
+              <a:buClr>
+                <a:schemeClr val="dk1"/>
+              </a:buClr>
+              <a:buSzPts val="1400"/>
+              <a:buFont typeface="Nunito"/>
+              <a:buChar char="-"/>
+            </a:pPr>
+            <a:r>
+              <a:rPr lang="en">
+                <a:solidFill>
+                  <a:schemeClr val="dk1"/>
+                </a:solidFill>
+                <a:latin typeface="Nunito"/>
+                <a:ea typeface="Nunito"/>
+                <a:cs typeface="Nunito"/>
+                <a:sym typeface="Nunito"/>
+              </a:rPr>
+              <a:t>Проверка удобства использования для мультипарадигменных языков</a:t>
+            </a:r>
+            <a:endParaRPr>
+              <a:solidFill>
+                <a:schemeClr val="dk1"/>
+              </a:solidFill>
+              <a:latin typeface="Nunito"/>
+              <a:ea typeface="Nunito"/>
+              <a:cs typeface="Nunito"/>
+              <a:sym typeface="Nunito"/>
+            </a:endParaRPr>
+          </a:p>
+          <a:p>
+            <a:pPr indent="0" lvl="0" marL="0" rtl="0" algn="l">
+              <a:lnSpc>
+                <a:spcPct val="115000"/>
+              </a:lnSpc>
+              <a:spcBef>
+                <a:spcPts val="0"/>
+              </a:spcBef>
+              <a:spcAft>
+                <a:spcPts val="0"/>
+              </a:spcAft>
+              <a:buNone/>
+            </a:pPr>
+            <a:r>
+              <a:t/>
+            </a:r>
+            <a:endParaRPr>
+              <a:solidFill>
+                <a:schemeClr val="dk1"/>
+              </a:solidFill>
+              <a:latin typeface="Nunito"/>
+              <a:ea typeface="Nunito"/>
+              <a:cs typeface="Nunito"/>
+              <a:sym typeface="Nunito"/>
+            </a:endParaRPr>
+          </a:p>
+        </p:txBody>
+      </p:sp>
     </p:spTree>
   </p:cSld>
   <p:clrMapOvr>
@@ -13181,7 +14732,7 @@
         </p:spPr>
         <p:txBody>
           <a:bodyPr anchorCtr="0" anchor="t" bIns="91425" lIns="91425" spcFirstLastPara="1" rIns="91425" wrap="square" tIns="91425">
-            <a:normAutofit lnSpcReduction="10000"/>
+            <a:normAutofit/>
           </a:bodyPr>
           <a:lstStyle/>
           <a:p>
@@ -13231,7 +14782,7 @@
                 <a:cs typeface="Nunito"/>
                 <a:sym typeface="Nunito"/>
               </a:rPr>
-              <a:t>Определение модели, в рамкой которой будет вестись работа</a:t>
+              <a:t>Определение модели, описание алгоритма</a:t>
             </a:r>
             <a:endParaRPr>
               <a:latin typeface="Nunito"/>
@@ -13321,16 +14872,25 @@
               <a:buChar char="-"/>
             </a:pPr>
             <a:r>
-              <a:rPr lang="en" sz="1400">
-                <a:solidFill>
-                  <a:schemeClr val="dk2"/>
-                </a:solidFill>
+              <a:rPr lang="en">
                 <a:latin typeface="Nunito"/>
                 <a:ea typeface="Nunito"/>
                 <a:cs typeface="Nunito"/>
                 <a:sym typeface="Nunito"/>
               </a:rPr>
-              <a:t>Движок поиска деклараций в пространстве типов</a:t>
+              <a:t>Поисковой индекс и алгоритм </a:t>
+            </a:r>
+            <a:r>
+              <a:rPr lang="en" sz="1400">
+                <a:solidFill>
+                  <a:schemeClr val="dk2"/>
+                </a:solidFill>
+                <a:latin typeface="Nunito"/>
+                <a:ea typeface="Nunito"/>
+                <a:cs typeface="Nunito"/>
+                <a:sym typeface="Nunito"/>
+              </a:rPr>
+              <a:t>поиска деклараций</a:t>
             </a:r>
             <a:endParaRPr sz="1400">
               <a:solidFill>
@@ -13358,16 +14918,13 @@
               <a:buChar char="-"/>
             </a:pPr>
             <a:r>
-              <a:rPr lang="en" sz="1400">
-                <a:solidFill>
-                  <a:schemeClr val="dk2"/>
-                </a:solidFill>
+              <a:rPr lang="en">
                 <a:latin typeface="Nunito"/>
                 <a:ea typeface="Nunito"/>
                 <a:cs typeface="Nunito"/>
                 <a:sym typeface="Nunito"/>
               </a:rPr>
-              <a:t>Система извлечения и хранения деклараций и сигнатур для конкретного языка</a:t>
+              <a:t>Драйвер для целевого языка</a:t>
             </a:r>
             <a:endParaRPr>
               <a:latin typeface="Nunito"/>
@@ -13395,7 +14952,7 @@
                 <a:cs typeface="Nunito"/>
                 <a:sym typeface="Nunito"/>
               </a:rPr>
-              <a:t>Измерение производительности</a:t>
+              <a:t>Анализ полученного решения</a:t>
             </a:r>
             <a:endParaRPr>
               <a:latin typeface="Nunito"/>
@@ -13510,9 +15067,9 @@
           <p:nvPr/>
         </p:nvCxnSpPr>
         <p:spPr>
-          <a:xfrm rot="10800000">
-            <a:off x="4713250" y="2667650"/>
-            <a:ext cx="1547100" cy="21300"/>
+          <a:xfrm flipH="1">
+            <a:off x="4717750" y="2688950"/>
+            <a:ext cx="1542600" cy="60300"/>
           </a:xfrm>
           <a:prstGeom prst="curvedConnector3">
             <a:avLst>
@@ -13541,7 +15098,7 @@
         </p:nvSpPr>
         <p:spPr>
           <a:xfrm>
-            <a:off x="6042050" y="1724075"/>
+            <a:off x="6123225" y="1718150"/>
             <a:ext cx="3042300" cy="493500"/>
           </a:xfrm>
           <a:prstGeom prst="rect">
@@ -13580,7 +15137,7 @@
                 <a:cs typeface="Arial"/>
                 <a:sym typeface="Arial"/>
               </a:rPr>
-              <a:t>Вступительная часть диплома</a:t>
+              <a:t>Текст диплома</a:t>
             </a:r>
             <a:endParaRPr sz="1500">
               <a:solidFill>
@@ -13625,8 +15182,8 @@
         </p:nvCxnSpPr>
         <p:spPr>
           <a:xfrm flipH="1">
-            <a:off x="3257025" y="1939575"/>
-            <a:ext cx="2866200" cy="185400"/>
+            <a:off x="2098725" y="1939575"/>
+            <a:ext cx="4024500" cy="247800"/>
           </a:xfrm>
           <a:prstGeom prst="curvedConnector3">
             <a:avLst>
@@ -13645,78 +15202,18 @@
           </a:ln>
         </p:spPr>
       </p:cxnSp>
-      <p:sp>
-        <p:nvSpPr>
-          <p:cNvPr id="112" name="Google Shape;112;p17"/>
-          <p:cNvSpPr txBox="1"/>
-          <p:nvPr>
-            <p:ph idx="1" type="body"/>
-          </p:nvPr>
-        </p:nvSpPr>
-        <p:spPr>
-          <a:xfrm>
-            <a:off x="6260350" y="3511550"/>
-            <a:ext cx="3042300" cy="685200"/>
-          </a:xfrm>
-          <a:prstGeom prst="rect">
-            <a:avLst/>
-          </a:prstGeom>
-          <a:noFill/>
-          <a:ln>
-            <a:noFill/>
-          </a:ln>
-        </p:spPr>
-        <p:txBody>
-          <a:bodyPr anchorCtr="0" anchor="t" bIns="91425" lIns="91425" spcFirstLastPara="1" rIns="91425" wrap="square" tIns="91425">
-            <a:noAutofit/>
-          </a:bodyPr>
-          <a:lstStyle/>
-          <a:p>
-            <a:pPr indent="0" lvl="0" marL="0" rtl="0" algn="l">
-              <a:spcBef>
-                <a:spcPts val="0"/>
-              </a:spcBef>
-              <a:spcAft>
-                <a:spcPts val="0"/>
-              </a:spcAft>
-              <a:buNone/>
-            </a:pPr>
-            <a:r>
-              <a:rPr lang="en" sz="1500">
-                <a:solidFill>
-                  <a:srgbClr val="434343"/>
-                </a:solidFill>
-                <a:latin typeface="Arial"/>
-                <a:ea typeface="Arial"/>
-                <a:cs typeface="Arial"/>
-                <a:sym typeface="Arial"/>
-              </a:rPr>
-              <a:t>В процессе, базовая идея - префиксное дерево</a:t>
-            </a:r>
-            <a:endParaRPr sz="1500">
-              <a:solidFill>
-                <a:srgbClr val="434343"/>
-              </a:solidFill>
-              <a:latin typeface="Nunito"/>
-              <a:ea typeface="Nunito"/>
-              <a:cs typeface="Nunito"/>
-              <a:sym typeface="Nunito"/>
-            </a:endParaRPr>
-          </a:p>
-        </p:txBody>
-      </p:sp>
       <p:cxnSp>
         <p:nvCxnSpPr>
-          <p:cNvPr id="113" name="Google Shape;113;p17"/>
+          <p:cNvPr id="112" name="Google Shape;112;p17"/>
           <p:cNvCxnSpPr>
-            <a:stCxn id="112" idx="1"/>
+            <a:stCxn id="113" idx="1"/>
           </p:cNvCxnSpPr>
           <p:nvPr/>
         </p:nvCxnSpPr>
         <p:spPr>
           <a:xfrm rot="10800000">
-            <a:off x="5037550" y="2872850"/>
-            <a:ext cx="1222800" cy="981300"/>
+            <a:off x="4605550" y="3021050"/>
+            <a:ext cx="1654800" cy="833100"/>
           </a:xfrm>
           <a:prstGeom prst="curvedConnector3">
             <a:avLst>
@@ -13781,7 +15278,7 @@
                 <a:cs typeface="Arial"/>
                 <a:sym typeface="Arial"/>
               </a:rPr>
-              <a:t>Для начала можно искусственно задать декларации с типами</a:t>
+              <a:t>Частично начат, в процессе написания драйвера для языка</a:t>
             </a:r>
             <a:endParaRPr sz="1300">
               <a:solidFill>
@@ -13805,8 +15302,8 @@
         </p:nvCxnSpPr>
         <p:spPr>
           <a:xfrm rot="10800000">
-            <a:off x="4130750" y="3554725"/>
-            <a:ext cx="1330500" cy="1159500"/>
+            <a:off x="4197650" y="3789625"/>
+            <a:ext cx="1263600" cy="924600"/>
           </a:xfrm>
           <a:prstGeom prst="curvedConnector3">
             <a:avLst>
@@ -13825,6 +15322,113 @@
           </a:ln>
         </p:spPr>
       </p:cxnSp>
+      <p:sp>
+        <p:nvSpPr>
+          <p:cNvPr id="116" name="Google Shape;116;p17"/>
+          <p:cNvSpPr txBox="1"/>
+          <p:nvPr>
+            <p:ph idx="1" type="body"/>
+          </p:nvPr>
+        </p:nvSpPr>
+        <p:spPr>
+          <a:xfrm>
+            <a:off x="6344300" y="3554725"/>
+            <a:ext cx="2437800" cy="642000"/>
+          </a:xfrm>
+          <a:prstGeom prst="rect">
+            <a:avLst/>
+          </a:prstGeom>
+          <a:noFill/>
+          <a:ln>
+            <a:noFill/>
+          </a:ln>
+        </p:spPr>
+        <p:txBody>
+          <a:bodyPr anchorCtr="0" anchor="t" bIns="91425" lIns="91425" spcFirstLastPara="1" rIns="91425" wrap="square" tIns="91425">
+            <a:noAutofit/>
+          </a:bodyPr>
+          <a:lstStyle/>
+          <a:p>
+            <a:pPr indent="0" lvl="0" marL="0" rtl="0" algn="l">
+              <a:lnSpc>
+                <a:spcPct val="100000"/>
+              </a:lnSpc>
+              <a:spcBef>
+                <a:spcPts val="0"/>
+              </a:spcBef>
+              <a:spcAft>
+                <a:spcPts val="0"/>
+              </a:spcAft>
+              <a:buNone/>
+            </a:pPr>
+            <a:r>
+              <a:rPr lang="en">
+                <a:solidFill>
+                  <a:srgbClr val="BDC1C6"/>
+                </a:solidFill>
+                <a:latin typeface="Arial"/>
+                <a:ea typeface="Arial"/>
+                <a:cs typeface="Arial"/>
+                <a:sym typeface="Arial"/>
+              </a:rPr>
+              <a:t>✍🏻</a:t>
+            </a:r>
+            <a:r>
+              <a:rPr lang="en">
+                <a:solidFill>
+                  <a:srgbClr val="BDC1C6"/>
+                </a:solidFill>
+                <a:latin typeface="Arial"/>
+                <a:ea typeface="Arial"/>
+                <a:cs typeface="Arial"/>
+                <a:sym typeface="Arial"/>
+              </a:rPr>
+              <a:t> </a:t>
+            </a:r>
+            <a:r>
+              <a:rPr lang="en">
+                <a:solidFill>
+                  <a:srgbClr val="434343"/>
+                </a:solidFill>
+                <a:latin typeface="Arial"/>
+                <a:ea typeface="Arial"/>
+                <a:cs typeface="Arial"/>
+                <a:sym typeface="Arial"/>
+              </a:rPr>
+              <a:t>~ 1200 SLOC без тестов</a:t>
+            </a:r>
+            <a:endParaRPr>
+              <a:solidFill>
+                <a:srgbClr val="434343"/>
+              </a:solidFill>
+              <a:latin typeface="Arial"/>
+              <a:ea typeface="Arial"/>
+              <a:cs typeface="Arial"/>
+              <a:sym typeface="Arial"/>
+            </a:endParaRPr>
+          </a:p>
+          <a:p>
+            <a:pPr indent="0" lvl="0" marL="0" rtl="0" algn="l">
+              <a:spcBef>
+                <a:spcPts val="0"/>
+              </a:spcBef>
+              <a:spcAft>
+                <a:spcPts val="0"/>
+              </a:spcAft>
+              <a:buNone/>
+            </a:pPr>
+            <a:r>
+              <a:t/>
+            </a:r>
+            <a:endParaRPr>
+              <a:latin typeface="Nunito"/>
+              <a:ea typeface="Nunito"/>
+              <a:cs typeface="Nunito"/>
+              <a:sym typeface="Nunito"/>
+            </a:endParaRPr>
+          </a:p>
+        </p:txBody>
+      </p:sp>
     </p:spTree>
   </p:cSld>
   <p:clrMapOvr>
@@ -13838,7 +15442,7 @@
   <p:cSld>
     <p:spTree>
       <p:nvGrpSpPr>
-        <p:cNvPr id="119" name="Shape 119"/>
+        <p:cNvPr id="120" name="Shape 120"/>
         <p:cNvGrpSpPr/>
         <p:nvPr/>
       </p:nvGrpSpPr>
@@ -13852,7 +15456,7 @@
       </p:grpSpPr>
       <p:sp>
         <p:nvSpPr>
-          <p:cNvPr id="120" name="Google Shape;120;p18"/>
+          <p:cNvPr id="121" name="Google Shape;121;p18"/>
           <p:cNvSpPr txBox="1"/>
           <p:nvPr>
             <p:ph type="title"/>
@@ -13910,7 +15514,7 @@
       </p:sp>
       <p:sp>
         <p:nvSpPr>
-          <p:cNvPr id="121" name="Google Shape;121;p18"/>
+          <p:cNvPr id="122" name="Google Shape;122;p18"/>
           <p:cNvSpPr txBox="1"/>
           <p:nvPr>
             <p:ph idx="12" type="sldNum"/>
@@ -13958,7 +15562,7 @@
       </p:sp>
       <p:sp>
         <p:nvSpPr>
-          <p:cNvPr id="122" name="Google Shape;122;p18"/>
+          <p:cNvPr id="123" name="Google Shape;123;p18"/>
           <p:cNvSpPr txBox="1"/>
           <p:nvPr>
             <p:ph idx="1" type="body"/>
@@ -14015,7 +15619,7 @@
       </p:sp>
       <p:pic>
         <p:nvPicPr>
-          <p:cNvPr descr="п" id="123" name="Google Shape;123;p18"/>
+          <p:cNvPr descr="п" id="124" name="Google Shape;124;p18"/>
           <p:cNvPicPr preferRelativeResize="0"/>
           <p:nvPr/>
         </p:nvPicPr>
@@ -14043,7 +15647,7 @@
       </p:pic>
       <p:sp>
         <p:nvSpPr>
-          <p:cNvPr id="124" name="Google Shape;124;p18"/>
+          <p:cNvPr id="125" name="Google Shape;125;p18"/>
           <p:cNvSpPr txBox="1"/>
           <p:nvPr>
             <p:ph idx="1" type="body"/>
@@ -14120,7 +15724,7 @@
       </p:sp>
       <p:pic>
         <p:nvPicPr>
-          <p:cNvPr id="125" name="Google Shape;125;p18"/>
+          <p:cNvPr id="126" name="Google Shape;126;p18"/>
           <p:cNvPicPr preferRelativeResize="0"/>
           <p:nvPr/>
         </p:nvPicPr>
@@ -14159,7 +15763,7 @@
   <p:cSld>
     <p:spTree>
       <p:nvGrpSpPr>
-        <p:cNvPr id="129" name="Shape 129"/>
+        <p:cNvPr id="130" name="Shape 130"/>
         <p:cNvGrpSpPr/>
         <p:nvPr/>
       </p:nvGrpSpPr>
@@ -14173,7 +15777,7 @@
       </p:grpSpPr>
       <p:sp>
         <p:nvSpPr>
-          <p:cNvPr id="130" name="Google Shape;130;p19"/>
+          <p:cNvPr id="131" name="Google Shape;131;p19"/>
           <p:cNvSpPr txBox="1"/>
           <p:nvPr>
             <p:ph type="title"/>
@@ -14231,7 +15835,7 @@
       </p:sp>
       <p:sp>
         <p:nvSpPr>
-          <p:cNvPr id="131" name="Google Shape;131;p19"/>
+          <p:cNvPr id="132" name="Google Shape;132;p19"/>
           <p:cNvSpPr txBox="1"/>
           <p:nvPr>
             <p:ph idx="12" type="sldNum"/>
@@ -14279,7 +15883,7 @@
       </p:sp>
       <p:sp>
         <p:nvSpPr>
-          <p:cNvPr id="132" name="Google Shape;132;p19"/>
+          <p:cNvPr id="133" name="Google Shape;133;p19"/>
           <p:cNvSpPr txBox="1"/>
           <p:nvPr>
             <p:ph idx="1" type="body"/>
@@ -14345,7 +15949,7 @@
       </p:sp>
       <p:sp>
         <p:nvSpPr>
-          <p:cNvPr id="133" name="Google Shape;133;p19"/>
+          <p:cNvPr id="134" name="Google Shape;134;p19"/>
           <p:cNvSpPr txBox="1"/>
           <p:nvPr>
             <p:ph idx="1" type="body"/>
@@ -14411,7 +16015,7 @@
       </p:sp>
       <p:pic>
         <p:nvPicPr>
-          <p:cNvPr id="134" name="Google Shape;134;p19"/>
+          <p:cNvPr id="135" name="Google Shape;135;p19"/>
           <p:cNvPicPr preferRelativeResize="0"/>
           <p:nvPr/>
         </p:nvPicPr>
@@ -14439,7 +16043,7 @@
       </p:pic>
       <p:pic>
         <p:nvPicPr>
-          <p:cNvPr id="135" name="Google Shape;135;p19"/>
+          <p:cNvPr id="136" name="Google Shape;136;p19"/>
           <p:cNvPicPr preferRelativeResize="0"/>
           <p:nvPr/>
         </p:nvPicPr>
@@ -14467,7 +16071,7 @@
       </p:pic>
       <p:sp>
         <p:nvSpPr>
-          <p:cNvPr id="136" name="Google Shape;136;p19"/>
+          <p:cNvPr id="137" name="Google Shape;137;p19"/>
           <p:cNvSpPr txBox="1"/>
           <p:nvPr>
             <p:ph idx="1" type="body"/>
@@ -14488,7 +16092,7 @@
         </p:spPr>
         <p:txBody>
           <a:bodyPr anchorCtr="0" anchor="t" bIns="91425" lIns="91425" spcFirstLastPara="1" rIns="91425" wrap="square" tIns="91425">
-            <a:normAutofit fontScale="70000"/>
+            <a:normAutofit fontScale="62500" lnSpcReduction="20000"/>
           </a:bodyPr>
           <a:lstStyle/>
           <a:p>
@@ -14520,8 +16124,28 @@
                 <a:cs typeface="Nunito"/>
                 <a:sym typeface="Nunito"/>
               </a:rPr>
-              <a:t> - обобщение над типами, включающее в себя </a:t>
+              <a:t> - выражение определяющее комбинацию типов</a:t>
             </a:r>
+            <a:endParaRPr>
+              <a:latin typeface="Nunito"/>
+              <a:ea typeface="Nunito"/>
+              <a:cs typeface="Nunito"/>
+              <a:sym typeface="Nunito"/>
+            </a:endParaRPr>
+          </a:p>
+          <a:p>
+            <a:pPr indent="0" lvl="0" marL="0" rtl="0" algn="l">
+              <a:lnSpc>
+                <a:spcPct val="115000"/>
+              </a:lnSpc>
+              <a:spcBef>
+                <a:spcPts val="0"/>
+              </a:spcBef>
+              <a:spcAft>
+                <a:spcPts val="0"/>
+              </a:spcAft>
+              <a:buNone/>
+            </a:pPr>
             <a:r>
               <a:rPr lang="en">
                 <a:latin typeface="Nunito SemiBold"/>
@@ -14529,16 +16153,7 @@
                 <a:cs typeface="Nunito SemiBold"/>
                 <a:sym typeface="Nunito SemiBold"/>
               </a:rPr>
-              <a:t>фрагментированный</a:t>
-            </a:r>
-            <a:r>
-              <a:rPr lang="en">
-                <a:latin typeface="Nunito SemiBold"/>
-                <a:ea typeface="Nunito SemiBold"/>
-                <a:cs typeface="Nunito SemiBold"/>
-                <a:sym typeface="Nunito SemiBold"/>
-              </a:rPr>
-              <a:t> типовой путь</a:t>
+              <a:t>Фрагментированный типовой путь</a:t>
             </a:r>
             <a:r>
               <a:rPr lang="en">
@@ -14547,7 +16162,7 @@
                 <a:cs typeface="Nunito"/>
                 <a:sym typeface="Nunito"/>
               </a:rPr>
-              <a:t> - шаблон для функциональных типов</a:t>
+              <a:t> - типовой путь с пропусками, шаблон для типовых путей</a:t>
             </a:r>
             <a:endParaRPr>
               <a:latin typeface="Nunito"/>
@@ -14558,34 +16173,6 @@
           </a:p>
         </p:txBody>
       </p:sp>
-      <p:pic>
-        <p:nvPicPr>
-          <p:cNvPr id="137" name="Google Shape;137;p19"/>
-          <p:cNvPicPr preferRelativeResize="0"/>
-          <p:nvPr/>
-        </p:nvPicPr>
-        <p:blipFill>
-          <a:blip r:embed="rId5">
-            <a:alphaModFix/>
-          </a:blip>
-          <a:stretch>
-            <a:fillRect/>
-          </a:stretch>
-        </p:blipFill>
-        <p:spPr>
-          <a:xfrm>
-            <a:off x="4552863" y="2640953"/>
-            <a:ext cx="4178701" cy="1529947"/>
-          </a:xfrm>
-          <a:prstGeom prst="rect">
-            <a:avLst/>
-          </a:prstGeom>
-          <a:noFill/>
-          <a:ln>
-            <a:noFill/>
-          </a:ln>
-        </p:spPr>
-      </p:pic>
       <p:sp>
         <p:nvSpPr>
           <p:cNvPr id="138" name="Google Shape;138;p19"/>
@@ -14726,8 +16313,8 @@
         </p:nvCxnSpPr>
         <p:spPr>
           <a:xfrm>
-            <a:off x="2862663" y="3260727"/>
-            <a:ext cx="1898100" cy="198900"/>
+            <a:off x="4128675" y="3164250"/>
+            <a:ext cx="632100" cy="295500"/>
           </a:xfrm>
           <a:prstGeom prst="curvedConnector3">
             <a:avLst>
@@ -14750,7 +16337,7 @@
         <p:nvCxnSpPr>
           <p:cNvPr id="141" name="Google Shape;141;p19"/>
           <p:cNvCxnSpPr>
-            <a:endCxn id="134" idx="1"/>
+            <a:endCxn id="135" idx="1"/>
           </p:cNvCxnSpPr>
           <p:nvPr/>
         </p:nvCxnSpPr>
@@ -14804,6 +16391,34 @@
           </a:ln>
         </p:spPr>
       </p:cxnSp>
+      <p:pic>
+        <p:nvPicPr>
+          <p:cNvPr id="143" name="Google Shape;143;p19"/>
+          <p:cNvPicPr preferRelativeResize="0"/>
+          <p:nvPr/>
+        </p:nvPicPr>
+        <p:blipFill>
+          <a:blip r:embed="rId5">
+            <a:alphaModFix/>
+          </a:blip>
+          <a:stretch>
+            <a:fillRect/>
+          </a:stretch>
+        </p:blipFill>
+        <p:spPr>
+          <a:xfrm>
+            <a:off x="4690288" y="2917274"/>
+            <a:ext cx="3903849" cy="1415625"/>
+          </a:xfrm>
+          <a:prstGeom prst="rect">
+            <a:avLst/>
+          </a:prstGeom>
+          <a:noFill/>
+          <a:ln>
+            <a:noFill/>
+          </a:ln>
+        </p:spPr>
+      </p:pic>
     </p:spTree>
   </p:cSld>
   <p:clrMapOvr>
@@ -14817,7 +16432,7 @@
   <p:cSld>
     <p:spTree>
       <p:nvGrpSpPr>
-        <p:cNvPr id="146" name="Shape 146"/>
+        <p:cNvPr id="147" name="Shape 147"/>
         <p:cNvGrpSpPr/>
         <p:nvPr/>
       </p:nvGrpSpPr>
@@ -14831,7 +16446,7 @@
       </p:grpSpPr>
       <p:sp>
         <p:nvSpPr>
-          <p:cNvPr id="147" name="Google Shape;147;p20"/>
+          <p:cNvPr id="148" name="Google Shape;148;p20"/>
           <p:cNvSpPr txBox="1"/>
           <p:nvPr>
             <p:ph type="title"/>
@@ -14889,7 +16504,7 @@
       </p:sp>
       <p:sp>
         <p:nvSpPr>
-          <p:cNvPr id="148" name="Google Shape;148;p20"/>
+          <p:cNvPr id="149" name="Google Shape;149;p20"/>
           <p:cNvSpPr txBox="1"/>
           <p:nvPr>
             <p:ph idx="12" type="sldNum"/>
@@ -14937,7 +16552,7 @@
       </p:sp>
       <p:sp>
         <p:nvSpPr>
-          <p:cNvPr id="149" name="Google Shape;149;p20"/>
+          <p:cNvPr id="150" name="Google Shape;150;p20"/>
           <p:cNvSpPr txBox="1"/>
           <p:nvPr>
             <p:ph idx="1" type="body"/>
@@ -14990,7 +16605,25 @@
                 <a:cs typeface="Nunito"/>
                 <a:sym typeface="Nunito"/>
               </a:rPr>
-              <a:t>- возможность использовать тип там, где ожидается другой. Определяется системой типов (номинативная, структурная) и вариантностью.</a:t>
+              <a:t>- в</a:t>
+            </a:r>
+            <a:r>
+              <a:rPr lang="en">
+                <a:latin typeface="Nunito"/>
+                <a:ea typeface="Nunito"/>
+                <a:cs typeface="Nunito"/>
+                <a:sym typeface="Nunito"/>
+              </a:rPr>
+              <a:t>озм</a:t>
+            </a:r>
+            <a:r>
+              <a:rPr lang="en">
+                <a:latin typeface="Nunito"/>
+                <a:ea typeface="Nunito"/>
+                <a:cs typeface="Nunito"/>
+                <a:sym typeface="Nunito"/>
+              </a:rPr>
+              <a:t>ожность использовать тип там, где ожидается другой. Определяется системой типов (номинативная, структурная) и вариантностью.</a:t>
             </a:r>
             <a:endParaRPr>
               <a:latin typeface="Nunito"/>
@@ -15146,9 +16779,105 @@
           </a:p>
         </p:txBody>
       </p:sp>
+      <p:sp>
+        <p:nvSpPr>
+          <p:cNvPr id="151" name="Google Shape;151;p20"/>
+          <p:cNvSpPr txBox="1"/>
+          <p:nvPr/>
+        </p:nvSpPr>
+        <p:spPr>
+          <a:xfrm>
+            <a:off x="6655400" y="1269800"/>
+            <a:ext cx="1130400" cy="780300"/>
+          </a:xfrm>
+          <a:prstGeom prst="rect">
+            <a:avLst/>
+          </a:prstGeom>
+          <a:noFill/>
+          <a:ln>
+            <a:noFill/>
+          </a:ln>
+        </p:spPr>
+        <p:txBody>
+          <a:bodyPr anchorCtr="0" anchor="t" bIns="91425" lIns="91425" spcFirstLastPara="1" rIns="91425" wrap="square" tIns="91425">
+            <a:spAutoFit/>
+          </a:bodyPr>
+          <a:lstStyle/>
+          <a:p>
+            <a:pPr indent="0" lvl="0" marL="0" rtl="0" algn="ctr">
+              <a:lnSpc>
+                <a:spcPct val="115000"/>
+              </a:lnSpc>
+              <a:spcBef>
+                <a:spcPts val="0"/>
+              </a:spcBef>
+              <a:spcAft>
+                <a:spcPts val="0"/>
+              </a:spcAft>
+              <a:buNone/>
+            </a:pPr>
+            <a:r>
+              <a:rPr lang="en" sz="1800">
+                <a:solidFill>
+                  <a:schemeClr val="dk1"/>
+                </a:solidFill>
+                <a:latin typeface="Nunito"/>
+                <a:ea typeface="Nunito"/>
+                <a:cs typeface="Nunito"/>
+                <a:sym typeface="Nunito"/>
+              </a:rPr>
+              <a:t>A &lt; B</a:t>
+            </a:r>
+            <a:endParaRPr sz="1800">
+              <a:solidFill>
+                <a:schemeClr val="dk1"/>
+              </a:solidFill>
+              <a:latin typeface="Nunito"/>
+              <a:ea typeface="Nunito"/>
+              <a:cs typeface="Nunito"/>
+              <a:sym typeface="Nunito"/>
+            </a:endParaRPr>
+          </a:p>
+          <a:p>
+            <a:pPr indent="0" lvl="0" marL="0" rtl="0" algn="ctr">
+              <a:lnSpc>
+                <a:spcPct val="115000"/>
+              </a:lnSpc>
+              <a:spcBef>
+                <a:spcPts val="0"/>
+              </a:spcBef>
+              <a:spcAft>
+                <a:spcPts val="0"/>
+              </a:spcAft>
+              <a:buNone/>
+            </a:pPr>
+            <a:r>
+              <a:rPr lang="en" sz="1800">
+                <a:solidFill>
+                  <a:schemeClr val="dk1"/>
+                </a:solidFill>
+                <a:latin typeface="Nunito"/>
+                <a:ea typeface="Nunito"/>
+                <a:cs typeface="Nunito"/>
+                <a:sym typeface="Nunito"/>
+              </a:rPr>
+              <a:t>D &lt; C</a:t>
+            </a:r>
+            <a:endParaRPr sz="1800">
+              <a:solidFill>
+                <a:schemeClr val="dk1"/>
+              </a:solidFill>
+              <a:latin typeface="Nunito"/>
+              <a:ea typeface="Nunito"/>
+              <a:cs typeface="Nunito"/>
+              <a:sym typeface="Nunito"/>
+            </a:endParaRPr>
+          </a:p>
+        </p:txBody>
+      </p:sp>
       <p:pic>
         <p:nvPicPr>
-          <p:cNvPr id="150" name="Google Shape;150;p20"/>
+          <p:cNvPr id="152" name="Google Shape;152;p20"/>
           <p:cNvPicPr preferRelativeResize="0"/>
           <p:nvPr/>
         </p:nvPicPr>
@@ -15162,8 +16891,8 @@
         </p:blipFill>
         <p:spPr>
           <a:xfrm>
-            <a:off x="5405500" y="1213750"/>
-            <a:ext cx="2885425" cy="3523100"/>
+            <a:off x="6181713" y="2302163"/>
+            <a:ext cx="2276475" cy="2390775"/>
           </a:xfrm>
           <a:prstGeom prst="rect">
             <a:avLst/>
@@ -15187,7 +16916,7 @@
   <p:cSld>
     <p:spTree>
       <p:nvGrpSpPr>
-        <p:cNvPr id="154" name="Shape 154"/>
+        <p:cNvPr id="156" name="Shape 156"/>
         <p:cNvGrpSpPr/>
         <p:nvPr/>
       </p:nvGrpSpPr>
@@ -15201,7 +16930,7 @@
       </p:grpSpPr>
       <p:sp>
         <p:nvSpPr>
-          <p:cNvPr id="155" name="Google Shape;155;p21"/>
+          <p:cNvPr id="157" name="Google Shape;157;p21"/>
           <p:cNvSpPr txBox="1"/>
           <p:nvPr>
             <p:ph type="title"/>
@@ -15246,7 +16975,7 @@
                 <a:cs typeface="Nunito"/>
                 <a:sym typeface="Nunito"/>
               </a:rPr>
-              <a:t>Наброски поискового движка</a:t>
+              <a:t>Поисковый индекс</a:t>
             </a:r>
             <a:endParaRPr>
               <a:latin typeface="Nunito"/>
@@ -15259,7 +16988,7 @@
       </p:sp>
       <p:sp>
         <p:nvSpPr>
-          <p:cNvPr id="156" name="Google Shape;156;p21"/>
+          <p:cNvPr id="158" name="Google Shape;158;p21"/>
           <p:cNvSpPr txBox="1"/>
           <p:nvPr>
             <p:ph idx="12" type="sldNum"/>
@@ -15307,7 +17036,7 @@
       </p:sp>
       <p:sp>
         <p:nvSpPr>
-          <p:cNvPr id="157" name="Google Shape;157;p21"/>
+          <p:cNvPr id="159" name="Google Shape;159;p21"/>
           <p:cNvSpPr txBox="1"/>
           <p:nvPr>
             <p:ph idx="1" type="body"/>
@@ -15316,7 +17045,7 @@
         <p:spPr>
           <a:xfrm>
             <a:off x="255350" y="1129075"/>
-            <a:ext cx="4779000" cy="2336100"/>
+            <a:ext cx="5064000" cy="2336100"/>
           </a:xfrm>
           <a:prstGeom prst="rect">
             <a:avLst/>
@@ -15332,7 +17061,7 @@
           </a:bodyPr>
           <a:lstStyle/>
           <a:p>
-            <a:pPr indent="-342900" lvl="0" marL="457200" rtl="0" algn="l">
+            <a:pPr indent="0" lvl="0" marL="0" rtl="0" algn="l">
               <a:lnSpc>
                 <a:spcPct val="115000"/>
               </a:lnSpc>
@@ -15342,9 +17071,7 @@
               <a:spcAft>
                 <a:spcPts val="0"/>
               </a:spcAft>
-              <a:buSzPts val="1800"/>
-              <a:buFont typeface="Nunito"/>
-              <a:buChar char="-"/>
+              <a:buNone/>
             </a:pPr>
             <a:r>
               <a:rPr lang="en">
@@ -15353,38 +17080,7 @@
                 <a:cs typeface="Nunito"/>
                 <a:sym typeface="Nunito"/>
               </a:rPr>
-              <a:t>Храним префиксное дерево, в вершинах которого либо map`а переходов из типа в следующую вершину, либо граф подстановки.</a:t>
-            </a:r>
-            <a:endParaRPr>
-              <a:latin typeface="Nunito"/>
-              <a:ea typeface="Nunito"/>
-              <a:cs typeface="Nunito"/>
-              <a:sym typeface="Nunito"/>
-            </a:endParaRPr>
-          </a:p>
-          <a:p>
-            <a:pPr indent="-342900" lvl="0" marL="457200" rtl="0" algn="l">
-              <a:lnSpc>
-                <a:spcPct val="115000"/>
-              </a:lnSpc>
-              <a:spcBef>
-                <a:spcPts val="0"/>
-              </a:spcBef>
-              <a:spcAft>
-                <a:spcPts val="0"/>
-              </a:spcAft>
-              <a:buSzPts val="1800"/>
-              <a:buFont typeface="Nunito"/>
-              <a:buChar char="-"/>
-            </a:pPr>
-            <a:r>
-              <a:rPr lang="en">
-                <a:latin typeface="Nunito"/>
-                <a:ea typeface="Nunito"/>
-                <a:cs typeface="Nunito"/>
-                <a:sym typeface="Nunito"/>
-              </a:rPr>
-              <a:t>Поиск декларации - поиск по дереву</a:t>
+              <a:t>Граф, основанный на префиксном дереве с двумя видами вершин (Node и TypeNode) и ребер (переходов по дереву и отношения подставляемости) </a:t>
             </a:r>
             <a:endParaRPr>
               <a:latin typeface="Nunito"/>
@@ -15397,7 +17093,7 @@
       </p:sp>
       <p:pic>
         <p:nvPicPr>
-          <p:cNvPr id="158" name="Google Shape;158;p21"/>
+          <p:cNvPr id="160" name="Google Shape;160;p21"/>
           <p:cNvPicPr preferRelativeResize="0"/>
           <p:nvPr/>
         </p:nvPicPr>
@@ -15411,8 +17107,8 @@
         </p:blipFill>
         <p:spPr>
           <a:xfrm>
-            <a:off x="0" y="2710088"/>
-            <a:ext cx="5289701" cy="2252375"/>
+            <a:off x="5319250" y="1129075"/>
+            <a:ext cx="3701900" cy="3803253"/>
           </a:xfrm>
           <a:prstGeom prst="rect">
             <a:avLst/>
@@ -15425,7 +17121,7 @@
       </p:pic>
       <p:pic>
         <p:nvPicPr>
-          <p:cNvPr id="159" name="Google Shape;159;p21"/>
+          <p:cNvPr id="161" name="Google Shape;161;p21"/>
           <p:cNvPicPr preferRelativeResize="0"/>
           <p:nvPr/>
         </p:nvPicPr>
@@ -15439,8 +17135,8 @@
         </p:blipFill>
         <p:spPr>
           <a:xfrm>
-            <a:off x="5442100" y="1170125"/>
-            <a:ext cx="3013511" cy="3340692"/>
+            <a:off x="157975" y="2658700"/>
+            <a:ext cx="4677448" cy="2398124"/>
           </a:xfrm>
           <a:prstGeom prst="rect">
             <a:avLst/>
@@ -15460,6 +17156,285 @@
 </file>
 
 <file path=ppt/theme/theme1.xml><?xml version="1.0" encoding="utf-8"?>
+<a:theme xmlns:a="http://schemas.openxmlformats.org/drawingml/2006/main" xmlns:r="http://schemas.openxmlformats.org/officeDocument/2006/relationships" name="My thele A">
+  <a:themeElements>
+    <a:clrScheme name="Simple Light">
+      <a:dk1>
+        <a:srgbClr val="000000"/>
+      </a:dk1>
+      <a:lt1>
+        <a:srgbClr val="FFFFFF"/>
+      </a:lt1>
+      <a:dk2>
+        <a:srgbClr val="595959"/>
+      </a:dk2>
+      <a:lt2>
+        <a:srgbClr val="EEEEEE"/>
+      </a:lt2>
+      <a:accent1>
+        <a:srgbClr val="4285F4"/>
+      </a:accent1>
+      <a:accent2>
+        <a:srgbClr val="212121"/>
+      </a:accent2>
+      <a:accent3>
+        <a:srgbClr val="78909C"/>
+      </a:accent3>
+      <a:accent4>
+        <a:srgbClr val="FFAB40"/>
+      </a:accent4>
+      <a:accent5>
+        <a:srgbClr val="0097A7"/>
+      </a:accent5>
+      <a:accent6>
+        <a:srgbClr val="EEFF41"/>
+      </a:accent6>
+      <a:hlink>
+        <a:srgbClr val="0097A7"/>
+      </a:hlink>
+      <a:folHlink>
+        <a:srgbClr val="0097A7"/>
+      </a:folHlink>
+    </a:clrScheme>
+    <a:fontScheme name="Office">
+      <a:majorFont>
+        <a:latin typeface="Arial"/>
+        <a:ea typeface=""/>
+        <a:cs typeface=""/>
+        <a:font script="Jpan" typeface="ＭＳ Ｐゴシック"/>
+        <a:font script="Hang" typeface="맑은 고딕"/>
+        <a:font script="Hans" typeface="宋体"/>
+        <a:font script="Hant" typeface="新細明體"/>
+        <a:font script="Arab" typeface="Times New Roman"/>
+        <a:font script="Hebr" typeface="Times New Roman"/>
+        <a:font script="Thai" typeface="Angsana New"/>
+        <a:font script="Ethi" typeface="Nyala"/>
+        <a:font script="Beng" typeface="Vrinda"/>
+        <a:font script="Gujr" typeface="Shruti"/>
+        <a:font script="Khmr" typeface="MoolBoran"/>
+        <a:font script="Knda" typeface="Tunga"/>
+        <a:font script="Guru" typeface="Raavi"/>
+        <a:font script="Cans" typeface="Euphemia"/>
+        <a:font script="Cher" typeface="Plantagenet Cherokee"/>
+        <a:font script="Yiii" typeface="Microsoft Yi Baiti"/>
+        <a:font script="Tibt" typeface="Microsoft Himalaya"/>
+        <a:font script="Thaa" typeface="MV Boli"/>
+        <a:font script="Deva" typeface="Mangal"/>
+        <a:font script="Telu" typeface="Gautami"/>
+        <a:font script="Taml" typeface="Latha"/>
+        <a:font script="Syrc" typeface="Estrangelo Edessa"/>
+        <a:font script="Orya" typeface="Kalinga"/>
+        <a:font script="Mlym" typeface="Kartika"/>
+        <a:font script="Laoo" typeface="DokChampa"/>
+        <a:font script="Sinh" typeface="Iskoola Pota"/>
+        <a:font script="Mong" typeface="Mongolian Baiti"/>
+        <a:font script="Viet" typeface="Times New Roman"/>
+        <a:font script="Uigh" typeface="Microsoft Uighur"/>
+        <a:font script="Geor" typeface="Sylfaen"/>
+      </a:majorFont>
+      <a:minorFont>
+        <a:latin typeface="Arial"/>
+        <a:ea typeface=""/>
+        <a:cs typeface=""/>
+        <a:font script="Jpan" typeface="ＭＳ Ｐゴシック"/>
+        <a:font script="Hang" typeface="맑은 고딕"/>
+        <a:font script="Hans" typeface="宋体"/>
+        <a:font script="Hant" typeface="新細明體"/>
+        <a:font script="Arab" typeface="Arial"/>
+        <a:font script="Hebr" typeface="Arial"/>
+        <a:font script="Thai" typeface="Cordia New"/>
+        <a:font script="Ethi" typeface="Nyala"/>
+        <a:font script="Beng" typeface="Vrinda"/>
+        <a:font script="Gujr" typeface="Shruti"/>
+        <a:font script="Khmr" typeface="DaunPenh"/>
+        <a:font script="Knda" typeface="Tunga"/>
+        <a:font script="Guru" typeface="Raavi"/>
+        <a:font script="Cans" typeface="Euphemia"/>
+        <a:font script="Cher" typeface="Plantagenet Cherokee"/>
+        <a:font script="Yiii" typeface="Microsoft Yi Baiti"/>
+        <a:font script="Tibt" typeface="Microsoft Himalaya"/>
+        <a:font script="Thaa" typeface="MV Boli"/>
+        <a:font script="Deva" typeface="Mangal"/>
+        <a:font script="Telu" typeface="Gautami"/>
+        <a:font script="Taml" typeface="Latha"/>
+        <a:font script="Syrc" typeface="Estrangelo Edessa"/>
+        <a:font script="Orya" typeface="Kalinga"/>
+        <a:font script="Mlym" typeface="Kartika"/>
+        <a:font script="Laoo" typeface="DokChampa"/>
+        <a:font script="Sinh" typeface="Iskoola Pota"/>
+        <a:font script="Mong" typeface="Mongolian Baiti"/>
+        <a:font script="Viet" typeface="Arial"/>
+        <a:font script="Uigh" typeface="Microsoft Uighur"/>
+        <a:font script="Geor" typeface="Sylfaen"/>
+      </a:minorFont>
+    </a:fontScheme>
+    <a:fmtScheme name="Office">
+      <a:fillStyleLst>
+        <a:solidFill>
+          <a:schemeClr val="phClr"/>
+        </a:solidFill>
+        <a:gradFill rotWithShape="1">
+          <a:gsLst>
+            <a:gs pos="0">
+              <a:schemeClr val="phClr">
+                <a:tint val="50000"/>
+                <a:satMod val="300000"/>
+              </a:schemeClr>
+            </a:gs>
+            <a:gs pos="35000">
+              <a:schemeClr val="phClr">
+                <a:tint val="37000"/>
+                <a:satMod val="300000"/>
+              </a:schemeClr>
+            </a:gs>
+            <a:gs pos="100000">
+              <a:schemeClr val="phClr">
+                <a:tint val="15000"/>
+                <a:satMod val="350000"/>
+              </a:schemeClr>
+            </a:gs>
+          </a:gsLst>
+          <a:lin ang="16200000" scaled="1"/>
+        </a:gradFill>
+        <a:gradFill rotWithShape="1">
+          <a:gsLst>
+            <a:gs pos="0">
+              <a:schemeClr val="phClr">
+                <a:tint val="100000"/>
+                <a:shade val="100000"/>
+                <a:satMod val="130000"/>
+              </a:schemeClr>
+            </a:gs>
+            <a:gs pos="100000">
+              <a:schemeClr val="phClr">
+                <a:tint val="50000"/>
+                <a:shade val="100000"/>
+                <a:satMod val="350000"/>
+              </a:schemeClr>
+            </a:gs>
+          </a:gsLst>
+          <a:lin ang="16200000" scaled="0"/>
+        </a:gradFill>
+      </a:fillStyleLst>
+      <a:lnStyleLst>
+        <a:ln w="9525" cap="flat" cmpd="sng" algn="ctr">
+          <a:solidFill>
+            <a:schemeClr val="phClr">
+              <a:shade val="95000"/>
+              <a:satMod val="105000"/>
+            </a:schemeClr>
+          </a:solidFill>
+          <a:prstDash val="solid"/>
+        </a:ln>
+        <a:ln w="25400" cap="flat" cmpd="sng" algn="ctr">
+          <a:solidFill>
+            <a:schemeClr val="phClr"/>
+          </a:solidFill>
+          <a:prstDash val="solid"/>
+        </a:ln>
+        <a:ln w="38100" cap="flat" cmpd="sng" algn="ctr">
+          <a:solidFill>
+            <a:schemeClr val="phClr"/>
+          </a:solidFill>
+          <a:prstDash val="solid"/>
+        </a:ln>
+      </a:lnStyleLst>
+      <a:effectStyleLst>
+        <a:effectStyle>
+          <a:effectLst>
+            <a:outerShdw blurRad="40000" dist="20000" dir="5400000" rotWithShape="0">
+              <a:srgbClr val="000000">
+                <a:alpha val="38000"/>
+              </a:srgbClr>
+            </a:outerShdw>
+          </a:effectLst>
+        </a:effectStyle>
+        <a:effectStyle>
+          <a:effectLst>
+            <a:outerShdw blurRad="40000" dist="23000" dir="5400000" rotWithShape="0">
+              <a:srgbClr val="000000">
+                <a:alpha val="35000"/>
+              </a:srgbClr>
+            </a:outerShdw>
+          </a:effectLst>
+        </a:effectStyle>
+        <a:effectStyle>
+          <a:effectLst>
+            <a:outerShdw blurRad="40000" dist="23000" dir="5400000" rotWithShape="0">
+              <a:srgbClr val="000000">
+                <a:alpha val="35000"/>
+              </a:srgbClr>
+            </a:outerShdw>
+          </a:effectLst>
+          <a:scene3d>
+            <a:camera prst="orthographicFront">
+              <a:rot lat="0" lon="0" rev="0"/>
+            </a:camera>
+            <a:lightRig rig="threePt" dir="t">
+              <a:rot lat="0" lon="0" rev="1200000"/>
+            </a:lightRig>
+          </a:scene3d>
+          <a:sp3d>
+            <a:bevelT w="63500" h="25400"/>
+          </a:sp3d>
+        </a:effectStyle>
+      </a:effectStyleLst>
+      <a:bgFillStyleLst>
+        <a:solidFill>
+          <a:schemeClr val="phClr"/>
+        </a:solidFill>
+        <a:gradFill rotWithShape="1">
+          <a:gsLst>
+            <a:gs pos="0">
+              <a:schemeClr val="phClr">
+                <a:tint val="40000"/>
+                <a:satMod val="350000"/>
+              </a:schemeClr>
+            </a:gs>
+            <a:gs pos="40000">
+              <a:schemeClr val="phClr">
+                <a:tint val="45000"/>
+                <a:shade val="99000"/>
+                <a:satMod val="350000"/>
+              </a:schemeClr>
+            </a:gs>
+            <a:gs pos="100000">
+              <a:schemeClr val="phClr">
+                <a:shade val="20000"/>
+                <a:satMod val="255000"/>
+              </a:schemeClr>
+            </a:gs>
+          </a:gsLst>
+          <a:path path="circle">
+            <a:fillToRect l="50000" t="-80000" r="50000" b="180000"/>
+          </a:path>
+        </a:gradFill>
+        <a:gradFill rotWithShape="1">
+          <a:gsLst>
+            <a:gs pos="0">
+              <a:schemeClr val="phClr">
+                <a:tint val="80000"/>
+                <a:satMod val="300000"/>
+              </a:schemeClr>
+            </a:gs>
+            <a:gs pos="100000">
+              <a:schemeClr val="phClr">
+                <a:shade val="30000"/>
+                <a:satMod val="200000"/>
+              </a:schemeClr>
+            </a:gs>
+          </a:gsLst>
+          <a:path path="circle">
+            <a:fillToRect l="50000" t="50000" r="50000" b="50000"/>
+          </a:path>
+        </a:gradFill>
+      </a:bgFillStyleLst>
+    </a:fmtScheme>
+  </a:themeElements>
+</a:theme>
+</file>
+
+<file path=ppt/theme/theme2.xml><?xml version="1.0" encoding="utf-8"?>
 <a:theme xmlns:a="http://schemas.openxmlformats.org/drawingml/2006/main" xmlns:r="http://schemas.openxmlformats.org/officeDocument/2006/relationships">
   <a:themeElements>
     <a:clrScheme name="Default">
@@ -15736,283 +17711,4 @@
     </a:fmtScheme>
   </a:themeElements>
 </a:theme>
-</file>
-
-<file path=ppt/theme/theme2.xml><?xml version="1.0" encoding="utf-8"?>
-<a:theme xmlns:a="http://schemas.openxmlformats.org/drawingml/2006/main" xmlns:r="http://schemas.openxmlformats.org/officeDocument/2006/relationships" name="My thele A">
-  <a:themeElements>
-    <a:clrScheme name="Simple Light">
-      <a:dk1>
-        <a:srgbClr val="000000"/>
-      </a:dk1>
-      <a:lt1>
-        <a:srgbClr val="FFFFFF"/>
-      </a:lt1>
-      <a:dk2>
-        <a:srgbClr val="595959"/>
-      </a:dk2>
-      <a:lt2>
-        <a:srgbClr val="EEEEEE"/>
-      </a:lt2>
-      <a:accent1>
-        <a:srgbClr val="4285F4"/>
-      </a:accent1>
-      <a:accent2>
-        <a:srgbClr val="212121"/>
-      </a:accent2>
-      <a:accent3>
-        <a:srgbClr val="78909C"/>
-      </a:accent3>
-      <a:accent4>
-        <a:srgbClr val="FFAB40"/>
-      </a:accent4>
-      <a:accent5>
-        <a:srgbClr val="0097A7"/>
-      </a:accent5>
-      <a:accent6>
-        <a:srgbClr val="EEFF41"/>
-      </a:accent6>
-      <a:hlink>
-        <a:srgbClr val="0097A7"/>
-      </a:hlink>
-      <a:folHlink>
-        <a:srgbClr val="0097A7"/>
-      </a:folHlink>
-    </a:clrScheme>
-    <a:fontScheme name="Office">
-      <a:majorFont>
-        <a:latin typeface="Arial"/>
-        <a:ea typeface=""/>
-        <a:cs typeface=""/>
-        <a:font script="Jpan" typeface="ＭＳ Ｐゴシック"/>
-        <a:font script="Hang" typeface="맑은 고딕"/>
-        <a:font script="Hans" typeface="宋体"/>
-        <a:font script="Hant" typeface="新細明體"/>
-        <a:font script="Arab" typeface="Times New Roman"/>
-        <a:font script="Hebr" typeface="Times New Roman"/>
-        <a:font script="Thai" typeface="Angsana New"/>
-        <a:font script="Ethi" typeface="Nyala"/>
-        <a:font script="Beng" typeface="Vrinda"/>
-        <a:font script="Gujr" typeface="Shruti"/>
-        <a:font script="Khmr" typeface="MoolBoran"/>
-        <a:font script="Knda" typeface="Tunga"/>
-        <a:font script="Guru" typeface="Raavi"/>
-        <a:font script="Cans" typeface="Euphemia"/>
-        <a:font script="Cher" typeface="Plantagenet Cherokee"/>
-        <a:font script="Yiii" typeface="Microsoft Yi Baiti"/>
-        <a:font script="Tibt" typeface="Microsoft Himalaya"/>
-        <a:font script="Thaa" typeface="MV Boli"/>
-        <a:font script="Deva" typeface="Mangal"/>
-        <a:font script="Telu" typeface="Gautami"/>
-        <a:font script="Taml" typeface="Latha"/>
-        <a:font script="Syrc" typeface="Estrangelo Edessa"/>
-        <a:font script="Orya" typeface="Kalinga"/>
-        <a:font script="Mlym" typeface="Kartika"/>
-        <a:font script="Laoo" typeface="DokChampa"/>
-        <a:font script="Sinh" typeface="Iskoola Pota"/>
-        <a:font script="Mong" typeface="Mongolian Baiti"/>
-        <a:font script="Viet" typeface="Times New Roman"/>
-        <a:font script="Uigh" typeface="Microsoft Uighur"/>
-        <a:font script="Geor" typeface="Sylfaen"/>
-      </a:majorFont>
-      <a:minorFont>
-        <a:latin typeface="Arial"/>
-        <a:ea typeface=""/>
-        <a:cs typeface=""/>
-        <a:font script="Jpan" typeface="ＭＳ Ｐゴシック"/>
-        <a:font script="Hang" typeface="맑은 고딕"/>
-        <a:font script="Hans" typeface="宋体"/>
-        <a:font script="Hant" typeface="新細明體"/>
-        <a:font script="Arab" typeface="Arial"/>
-        <a:font script="Hebr" typeface="Arial"/>
-        <a:font script="Thai" typeface="Cordia New"/>
-        <a:font script="Ethi" typeface="Nyala"/>
-        <a:font script="Beng" typeface="Vrinda"/>
-        <a:font script="Gujr" typeface="Shruti"/>
-        <a:font script="Khmr" typeface="DaunPenh"/>
-        <a:font script="Knda" typeface="Tunga"/>
-        <a:font script="Guru" typeface="Raavi"/>
-        <a:font script="Cans" typeface="Euphemia"/>
-        <a:font script="Cher" typeface="Plantagenet Cherokee"/>
-        <a:font script="Yiii" typeface="Microsoft Yi Baiti"/>
-        <a:font script="Tibt" typeface="Microsoft Himalaya"/>
-        <a:font script="Thaa" typeface="MV Boli"/>
-        <a:font script="Deva" typeface="Mangal"/>
-        <a:font script="Telu" typeface="Gautami"/>
-        <a:font script="Taml" typeface="Latha"/>
-        <a:font script="Syrc" typeface="Estrangelo Edessa"/>
-        <a:font script="Orya" typeface="Kalinga"/>
-        <a:font script="Mlym" typeface="Kartika"/>
-        <a:font script="Laoo" typeface="DokChampa"/>
-        <a:font script="Sinh" typeface="Iskoola Pota"/>
-        <a:font script="Mong" typeface="Mongolian Baiti"/>
-        <a:font script="Viet" typeface="Arial"/>
-        <a:font script="Uigh" typeface="Microsoft Uighur"/>
-        <a:font script="Geor" typeface="Sylfaen"/>
-      </a:minorFont>
-    </a:fontScheme>
-    <a:fmtScheme name="Office">
-      <a:fillStyleLst>
-        <a:solidFill>
-          <a:schemeClr val="phClr"/>
-        </a:solidFill>
-        <a:gradFill rotWithShape="1">
-          <a:gsLst>
-            <a:gs pos="0">
-              <a:schemeClr val="phClr">
-                <a:tint val="50000"/>
-                <a:satMod val="300000"/>
-              </a:schemeClr>
-            </a:gs>
-            <a:gs pos="35000">
-              <a:schemeClr val="phClr">
-                <a:tint val="37000"/>
-                <a:satMod val="300000"/>
-              </a:schemeClr>
-            </a:gs>
-            <a:gs pos="100000">
-              <a:schemeClr val="phClr">
-                <a:tint val="15000"/>
-                <a:satMod val="350000"/>
-              </a:schemeClr>
-            </a:gs>
-          </a:gsLst>
-          <a:lin ang="16200000" scaled="1"/>
-        </a:gradFill>
-        <a:gradFill rotWithShape="1">
-          <a:gsLst>
-            <a:gs pos="0">
-              <a:schemeClr val="phClr">
-                <a:tint val="100000"/>
-                <a:shade val="100000"/>
-                <a:satMod val="130000"/>
-              </a:schemeClr>
-            </a:gs>
-            <a:gs pos="100000">
-              <a:schemeClr val="phClr">
-                <a:tint val="50000"/>
-                <a:shade val="100000"/>
-                <a:satMod val="350000"/>
-              </a:schemeClr>
-            </a:gs>
-          </a:gsLst>
-          <a:lin ang="16200000" scaled="0"/>
-        </a:gradFill>
-      </a:fillStyleLst>
-      <a:lnStyleLst>
-        <a:ln w="9525" cap="flat" cmpd="sng" algn="ctr">
-          <a:solidFill>
-            <a:schemeClr val="phClr">
-              <a:shade val="95000"/>
-              <a:satMod val="105000"/>
-            </a:schemeClr>
-          </a:solidFill>
-          <a:prstDash val="solid"/>
-        </a:ln>
-        <a:ln w="25400" cap="flat" cmpd="sng" algn="ctr">
-          <a:solidFill>
-            <a:schemeClr val="phClr"/>
-          </a:solidFill>
-          <a:prstDash val="solid"/>
-        </a:ln>
-        <a:ln w="38100" cap="flat" cmpd="sng" algn="ctr">
-          <a:solidFill>
-            <a:schemeClr val="phClr"/>
-          </a:solidFill>
-          <a:prstDash val="solid"/>
-        </a:ln>
-      </a:lnStyleLst>
-      <a:effectStyleLst>
-        <a:effectStyle>
-          <a:effectLst>
-            <a:outerShdw blurRad="40000" dist="20000" dir="5400000" rotWithShape="0">
-              <a:srgbClr val="000000">
-                <a:alpha val="38000"/>
-              </a:srgbClr>
-            </a:outerShdw>
-          </a:effectLst>
-        </a:effectStyle>
-        <a:effectStyle>
-          <a:effectLst>
-            <a:outerShdw blurRad="40000" dist="23000" dir="5400000" rotWithShape="0">
-              <a:srgbClr val="000000">
-                <a:alpha val="35000"/>
-              </a:srgbClr>
-            </a:outerShdw>
-          </a:effectLst>
-        </a:effectStyle>
-        <a:effectStyle>
-          <a:effectLst>
-            <a:outerShdw blurRad="40000" dist="23000" dir="5400000" rotWithShape="0">
-              <a:srgbClr val="000000">
-                <a:alpha val="35000"/>
-              </a:srgbClr>
-            </a:outerShdw>
-          </a:effectLst>
-          <a:scene3d>
-            <a:camera prst="orthographicFront">
-              <a:rot lat="0" lon="0" rev="0"/>
-            </a:camera>
-            <a:lightRig rig="threePt" dir="t">
-              <a:rot lat="0" lon="0" rev="1200000"/>
-            </a:lightRig>
-          </a:scene3d>
-          <a:sp3d>
-            <a:bevelT w="63500" h="25400"/>
-          </a:sp3d>
-        </a:effectStyle>
-      </a:effectStyleLst>
-      <a:bgFillStyleLst>
-        <a:solidFill>
-          <a:schemeClr val="phClr"/>
-        </a:solidFill>
-        <a:gradFill rotWithShape="1">
-          <a:gsLst>
-            <a:gs pos="0">
-              <a:schemeClr val="phClr">
-                <a:tint val="40000"/>
-                <a:satMod val="350000"/>
-              </a:schemeClr>
-            </a:gs>
-            <a:gs pos="40000">
-              <a:schemeClr val="phClr">
-                <a:tint val="45000"/>
-                <a:shade val="99000"/>
-                <a:satMod val="350000"/>
-              </a:schemeClr>
-            </a:gs>
-            <a:gs pos="100000">
-              <a:schemeClr val="phClr">
-                <a:shade val="20000"/>
-                <a:satMod val="255000"/>
-              </a:schemeClr>
-            </a:gs>
-          </a:gsLst>
-          <a:path path="circle">
-            <a:fillToRect l="50000" t="-80000" r="50000" b="180000"/>
-          </a:path>
-        </a:gradFill>
-        <a:gradFill rotWithShape="1">
-          <a:gsLst>
-            <a:gs pos="0">
-              <a:schemeClr val="phClr">
-                <a:tint val="80000"/>
-                <a:satMod val="300000"/>
-              </a:schemeClr>
-            </a:gs>
-            <a:gs pos="100000">
-              <a:schemeClr val="phClr">
-                <a:shade val="30000"/>
-                <a:satMod val="200000"/>
-              </a:schemeClr>
-            </a:gs>
-          </a:gsLst>
-          <a:path path="circle">
-            <a:fillToRect l="50000" t="50000" r="50000" b="50000"/>
-          </a:path>
-        </a:gradFill>
-      </a:bgFillStyleLst>
-    </a:fmtScheme>
-  </a:themeElements>
-</a:theme>
 </file>